--- a/Predicting the severity of accidents.pptx
+++ b/Predicting the severity of accidents.pptx
@@ -21,7 +21,8 @@
     <p:sldId id="269" r:id="rId15"/>
     <p:sldId id="270" r:id="rId16"/>
     <p:sldId id="271" r:id="rId17"/>
-    <p:sldId id="272" r:id="rId18"/>
+    <p:sldId id="273" r:id="rId18"/>
+    <p:sldId id="272" r:id="rId19"/>
   </p:sldIdLst>
   <p:sldSz cx="12192000" cy="6858000"/>
   <p:notesSz cx="6858000" cy="9144000"/>
@@ -120,6 +121,11 @@
       </a:defRPr>
     </a:lvl9pPr>
   </p:defaultTextStyle>
+  <p:extLst>
+    <p:ext uri="{EFAFB233-063F-42B5-8137-9DF3F51BA10A}">
+      <p15:sldGuideLst xmlns:p15="http://schemas.microsoft.com/office/powerpoint/2012/main"/>
+    </p:ext>
+  </p:extLst>
 </p:presentation>
 </file>
 
@@ -1250,6 +1256,14 @@
         </dgm:presLayoutVars>
       </dgm:prSet>
       <dgm:spPr/>
+      <dgm:t>
+        <a:bodyPr/>
+        <a:lstStyle/>
+        <a:p>
+          <a:pPr rtl="1"/>
+          <a:endParaRPr lang="ar-SA"/>
+        </a:p>
+      </dgm:t>
     </dgm:pt>
     <dgm:pt modelId="{3D066206-DFB1-4649-8CD0-6EC120A0D260}" type="pres">
       <dgm:prSet presAssocID="{52F284B2-B5DA-4A1A-9D31-7FC5F3536E44}" presName="centerShape" presStyleLbl="node0" presStyleIdx="0" presStyleCnt="1"/>
@@ -1266,6 +1280,14 @@
     <dgm:pt modelId="{0801D090-AD71-4D1E-AD90-7BD21350C427}" type="pres">
       <dgm:prSet presAssocID="{97A74B0C-C01D-4918-936B-38D3447BBF5A}" presName="parTrans" presStyleLbl="bgSibTrans2D1" presStyleIdx="0" presStyleCnt="7"/>
       <dgm:spPr/>
+      <dgm:t>
+        <a:bodyPr/>
+        <a:lstStyle/>
+        <a:p>
+          <a:pPr rtl="1"/>
+          <a:endParaRPr lang="ar-SA"/>
+        </a:p>
+      </dgm:t>
     </dgm:pt>
     <dgm:pt modelId="{7D3BA7B6-5401-4683-8EE8-690362DE57D8}" type="pres">
       <dgm:prSet presAssocID="{1161FC14-90EC-48B1-A54C-A7C8BF036A31}" presName="node" presStyleLbl="node1" presStyleIdx="0" presStyleCnt="7">
@@ -1286,6 +1308,14 @@
     <dgm:pt modelId="{00E044F3-8F73-4BC1-B715-95EC4588137D}" type="pres">
       <dgm:prSet presAssocID="{F645305E-CD6F-4250-B7B5-F936C42944B2}" presName="parTrans" presStyleLbl="bgSibTrans2D1" presStyleIdx="1" presStyleCnt="7"/>
       <dgm:spPr/>
+      <dgm:t>
+        <a:bodyPr/>
+        <a:lstStyle/>
+        <a:p>
+          <a:pPr rtl="1"/>
+          <a:endParaRPr lang="ar-SA"/>
+        </a:p>
+      </dgm:t>
     </dgm:pt>
     <dgm:pt modelId="{D9C2719F-057B-4A75-9EEF-9E3FB290FB20}" type="pres">
       <dgm:prSet presAssocID="{A88298FD-DAA3-4CEA-BCCE-9780C9D1B5E3}" presName="node" presStyleLbl="node1" presStyleIdx="1" presStyleCnt="7">
@@ -1294,10 +1324,26 @@
         </dgm:presLayoutVars>
       </dgm:prSet>
       <dgm:spPr/>
+      <dgm:t>
+        <a:bodyPr/>
+        <a:lstStyle/>
+        <a:p>
+          <a:pPr rtl="1"/>
+          <a:endParaRPr lang="ar-SA"/>
+        </a:p>
+      </dgm:t>
     </dgm:pt>
     <dgm:pt modelId="{02D7E097-BDDB-4891-AA43-45EF26DBC9D8}" type="pres">
       <dgm:prSet presAssocID="{C5A6402A-4D90-4F3F-ABF3-31CE7D322D93}" presName="parTrans" presStyleLbl="bgSibTrans2D1" presStyleIdx="2" presStyleCnt="7"/>
       <dgm:spPr/>
+      <dgm:t>
+        <a:bodyPr/>
+        <a:lstStyle/>
+        <a:p>
+          <a:pPr rtl="1"/>
+          <a:endParaRPr lang="ar-SA"/>
+        </a:p>
+      </dgm:t>
     </dgm:pt>
     <dgm:pt modelId="{35D08323-6BB8-4668-A689-0F731AF6FA6C}" type="pres">
       <dgm:prSet presAssocID="{33C543A9-7240-488B-8CA7-4C40123005A5}" presName="node" presStyleLbl="node1" presStyleIdx="2" presStyleCnt="7">
@@ -1306,10 +1352,26 @@
         </dgm:presLayoutVars>
       </dgm:prSet>
       <dgm:spPr/>
+      <dgm:t>
+        <a:bodyPr/>
+        <a:lstStyle/>
+        <a:p>
+          <a:pPr rtl="1"/>
+          <a:endParaRPr lang="ar-SA"/>
+        </a:p>
+      </dgm:t>
     </dgm:pt>
     <dgm:pt modelId="{1DFFF84C-2285-4069-83C8-CE4E2D00FC92}" type="pres">
       <dgm:prSet presAssocID="{9F786519-8201-482F-B0BC-0CB809B7E50B}" presName="parTrans" presStyleLbl="bgSibTrans2D1" presStyleIdx="3" presStyleCnt="7"/>
       <dgm:spPr/>
+      <dgm:t>
+        <a:bodyPr/>
+        <a:lstStyle/>
+        <a:p>
+          <a:pPr rtl="1"/>
+          <a:endParaRPr lang="ar-SA"/>
+        </a:p>
+      </dgm:t>
     </dgm:pt>
     <dgm:pt modelId="{B1160C29-802C-47B4-8937-B232C4665C03}" type="pres">
       <dgm:prSet presAssocID="{485009B4-B7C7-4F7D-9153-F859FCE1A5B2}" presName="node" presStyleLbl="node1" presStyleIdx="3" presStyleCnt="7">
@@ -1318,10 +1380,26 @@
         </dgm:presLayoutVars>
       </dgm:prSet>
       <dgm:spPr/>
+      <dgm:t>
+        <a:bodyPr/>
+        <a:lstStyle/>
+        <a:p>
+          <a:pPr rtl="1"/>
+          <a:endParaRPr lang="ar-SA"/>
+        </a:p>
+      </dgm:t>
     </dgm:pt>
     <dgm:pt modelId="{A95ABA82-A921-4A7C-BAD3-6574FB0918F4}" type="pres">
       <dgm:prSet presAssocID="{F85C14AF-82E4-4743-BD0A-C3EFF167555B}" presName="parTrans" presStyleLbl="bgSibTrans2D1" presStyleIdx="4" presStyleCnt="7"/>
       <dgm:spPr/>
+      <dgm:t>
+        <a:bodyPr/>
+        <a:lstStyle/>
+        <a:p>
+          <a:pPr rtl="1"/>
+          <a:endParaRPr lang="ar-SA"/>
+        </a:p>
+      </dgm:t>
     </dgm:pt>
     <dgm:pt modelId="{3E9BF3EB-B82B-459E-82D8-BA59E88F3669}" type="pres">
       <dgm:prSet presAssocID="{89D2C7FC-EE67-4D17-A8F5-638D45ED2D89}" presName="node" presStyleLbl="node1" presStyleIdx="4" presStyleCnt="7">
@@ -1330,10 +1408,26 @@
         </dgm:presLayoutVars>
       </dgm:prSet>
       <dgm:spPr/>
+      <dgm:t>
+        <a:bodyPr/>
+        <a:lstStyle/>
+        <a:p>
+          <a:pPr rtl="1"/>
+          <a:endParaRPr lang="ar-SA"/>
+        </a:p>
+      </dgm:t>
     </dgm:pt>
     <dgm:pt modelId="{D64F8138-9B8C-4365-812F-85581553D402}" type="pres">
       <dgm:prSet presAssocID="{17ECC2CC-4772-4144-AAFC-F7F80E4FCBCA}" presName="parTrans" presStyleLbl="bgSibTrans2D1" presStyleIdx="5" presStyleCnt="7"/>
       <dgm:spPr/>
+      <dgm:t>
+        <a:bodyPr/>
+        <a:lstStyle/>
+        <a:p>
+          <a:pPr rtl="1"/>
+          <a:endParaRPr lang="ar-SA"/>
+        </a:p>
+      </dgm:t>
     </dgm:pt>
     <dgm:pt modelId="{DD52737C-0C7A-487E-8E08-777F2BF70647}" type="pres">
       <dgm:prSet presAssocID="{69BAF0D8-80A7-4782-A6B0-E1FAA5AAA9FB}" presName="node" presStyleLbl="node1" presStyleIdx="5" presStyleCnt="7">
@@ -1354,6 +1448,14 @@
     <dgm:pt modelId="{AABE736A-9A54-49D9-A543-CD00A88FE108}" type="pres">
       <dgm:prSet presAssocID="{3C488ECB-8E2A-40E1-B2FD-CC7667940E2B}" presName="parTrans" presStyleLbl="bgSibTrans2D1" presStyleIdx="6" presStyleCnt="7"/>
       <dgm:spPr/>
+      <dgm:t>
+        <a:bodyPr/>
+        <a:lstStyle/>
+        <a:p>
+          <a:pPr rtl="1"/>
+          <a:endParaRPr lang="ar-SA"/>
+        </a:p>
+      </dgm:t>
     </dgm:pt>
     <dgm:pt modelId="{2B524398-D940-4DB3-81AB-F4FF41D54B1F}" type="pres">
       <dgm:prSet presAssocID="{7A00E5FA-4F54-40C6-AEAC-856DC3959DC5}" presName="node" presStyleLbl="node1" presStyleIdx="6" presStyleCnt="7">
@@ -1362,20 +1464,28 @@
         </dgm:presLayoutVars>
       </dgm:prSet>
       <dgm:spPr/>
+      <dgm:t>
+        <a:bodyPr/>
+        <a:lstStyle/>
+        <a:p>
+          <a:pPr rtl="1"/>
+          <a:endParaRPr lang="ar-SA"/>
+        </a:p>
+      </dgm:t>
     </dgm:pt>
   </dgm:ptLst>
   <dgm:cxnLst>
     <dgm:cxn modelId="{C71A5550-C984-4C0E-B48C-59BEC1F3E7D0}" type="presOf" srcId="{7EB48BC0-0594-4C84-A402-B9B1AB1A913B}" destId="{287252F0-2596-4C62-B520-AD12708B8430}" srcOrd="0" destOrd="0" presId="urn:microsoft.com/office/officeart/2005/8/layout/radial4"/>
     <dgm:cxn modelId="{08094DDB-CAFF-4E23-9AD3-02EA1861883B}" type="presOf" srcId="{C5A6402A-4D90-4F3F-ABF3-31CE7D322D93}" destId="{02D7E097-BDDB-4891-AA43-45EF26DBC9D8}" srcOrd="0" destOrd="0" presId="urn:microsoft.com/office/officeart/2005/8/layout/radial4"/>
     <dgm:cxn modelId="{2B4AE662-ED3D-4C92-9C28-1AD1F3B54DC0}" type="presOf" srcId="{F85C14AF-82E4-4743-BD0A-C3EFF167555B}" destId="{A95ABA82-A921-4A7C-BAD3-6574FB0918F4}" srcOrd="0" destOrd="0" presId="urn:microsoft.com/office/officeart/2005/8/layout/radial4"/>
+    <dgm:cxn modelId="{BB380E52-1520-4241-A28A-AA342A158069}" type="presOf" srcId="{17ECC2CC-4772-4144-AAFC-F7F80E4FCBCA}" destId="{D64F8138-9B8C-4365-812F-85581553D402}" srcOrd="0" destOrd="0" presId="urn:microsoft.com/office/officeart/2005/8/layout/radial4"/>
     <dgm:cxn modelId="{78266979-D6D2-4983-943C-EE3229C698B9}" srcId="{52F284B2-B5DA-4A1A-9D31-7FC5F3536E44}" destId="{A88298FD-DAA3-4CEA-BCCE-9780C9D1B5E3}" srcOrd="1" destOrd="0" parTransId="{F645305E-CD6F-4250-B7B5-F936C42944B2}" sibTransId="{B68554AA-FD00-40BE-B8FA-5230DE60CC43}"/>
-    <dgm:cxn modelId="{BB380E52-1520-4241-A28A-AA342A158069}" type="presOf" srcId="{17ECC2CC-4772-4144-AAFC-F7F80E4FCBCA}" destId="{D64F8138-9B8C-4365-812F-85581553D402}" srcOrd="0" destOrd="0" presId="urn:microsoft.com/office/officeart/2005/8/layout/radial4"/>
     <dgm:cxn modelId="{CAC96876-5705-4803-B7A4-8F410E97F9E4}" srcId="{52F284B2-B5DA-4A1A-9D31-7FC5F3536E44}" destId="{69BAF0D8-80A7-4782-A6B0-E1FAA5AAA9FB}" srcOrd="5" destOrd="0" parTransId="{17ECC2CC-4772-4144-AAFC-F7F80E4FCBCA}" sibTransId="{1B38FFE6-C9F9-48F7-A48C-97105676465C}"/>
     <dgm:cxn modelId="{0E35AACF-0CEF-4C64-B857-F351D5AF170E}" type="presOf" srcId="{F645305E-CD6F-4250-B7B5-F936C42944B2}" destId="{00E044F3-8F73-4BC1-B715-95EC4588137D}" srcOrd="0" destOrd="0" presId="urn:microsoft.com/office/officeart/2005/8/layout/radial4"/>
     <dgm:cxn modelId="{EF7388BC-CF09-45DB-B86C-6B0B833B0641}" srcId="{7EB48BC0-0594-4C84-A402-B9B1AB1A913B}" destId="{52F284B2-B5DA-4A1A-9D31-7FC5F3536E44}" srcOrd="0" destOrd="0" parTransId="{0FF50E95-881A-44EC-972E-CAC0D06C52CC}" sibTransId="{A23D7576-3338-4199-82CA-AB721589E82B}"/>
     <dgm:cxn modelId="{FE99A437-490B-4CF3-9A74-AB8FA91FF5D7}" srcId="{52F284B2-B5DA-4A1A-9D31-7FC5F3536E44}" destId="{33C543A9-7240-488B-8CA7-4C40123005A5}" srcOrd="2" destOrd="0" parTransId="{C5A6402A-4D90-4F3F-ABF3-31CE7D322D93}" sibTransId="{3D4FFE7C-FD6F-4BF5-AC56-9B9D909DF15A}"/>
+    <dgm:cxn modelId="{7EC4B1C5-4382-45D1-8A51-2FC54468B791}" srcId="{52F284B2-B5DA-4A1A-9D31-7FC5F3536E44}" destId="{7A00E5FA-4F54-40C6-AEAC-856DC3959DC5}" srcOrd="6" destOrd="0" parTransId="{3C488ECB-8E2A-40E1-B2FD-CC7667940E2B}" sibTransId="{7D687122-F5C5-4C86-BAEA-E4DA9E27916B}"/>
     <dgm:cxn modelId="{B230A6D2-71B4-4F5D-909A-623DEF491682}" type="presOf" srcId="{7A00E5FA-4F54-40C6-AEAC-856DC3959DC5}" destId="{2B524398-D940-4DB3-81AB-F4FF41D54B1F}" srcOrd="0" destOrd="0" presId="urn:microsoft.com/office/officeart/2005/8/layout/radial4"/>
-    <dgm:cxn modelId="{7EC4B1C5-4382-45D1-8A51-2FC54468B791}" srcId="{52F284B2-B5DA-4A1A-9D31-7FC5F3536E44}" destId="{7A00E5FA-4F54-40C6-AEAC-856DC3959DC5}" srcOrd="6" destOrd="0" parTransId="{3C488ECB-8E2A-40E1-B2FD-CC7667940E2B}" sibTransId="{7D687122-F5C5-4C86-BAEA-E4DA9E27916B}"/>
     <dgm:cxn modelId="{4F35E695-C17F-4601-96F3-4A02D6DA0784}" type="presOf" srcId="{97A74B0C-C01D-4918-936B-38D3447BBF5A}" destId="{0801D090-AD71-4D1E-AD90-7BD21350C427}" srcOrd="0" destOrd="0" presId="urn:microsoft.com/office/officeart/2005/8/layout/radial4"/>
     <dgm:cxn modelId="{55C0CE7B-88D1-40BD-8B6A-2AAB132E9540}" type="presOf" srcId="{52F284B2-B5DA-4A1A-9D31-7FC5F3536E44}" destId="{3D066206-DFB1-4649-8CD0-6EC120A0D260}" srcOrd="0" destOrd="0" presId="urn:microsoft.com/office/officeart/2005/8/layout/radial4"/>
     <dgm:cxn modelId="{9FB99526-6577-490B-982F-FB6E0C9DB3B3}" type="presOf" srcId="{33C543A9-7240-488B-8CA7-4C40123005A5}" destId="{35D08323-6BB8-4668-A689-0F731AF6FA6C}" srcOrd="0" destOrd="0" presId="urn:microsoft.com/office/officeart/2005/8/layout/radial4"/>
@@ -3848,7 +3958,7 @@
             <a:fld id="{B61BEF0D-F0BB-DE4B-95CE-6DB70DBA9567}" type="datetimeFigureOut">
               <a:rPr lang="en-US" dirty="0"/>
               <a:pPr/>
-              <a:t>10/13/2020</a:t>
+              <a:t>10/29/2020</a:t>
             </a:fld>
             <a:endParaRPr lang="en-US" dirty="0"/>
           </a:p>
@@ -4183,7 +4293,7 @@
             <a:fld id="{B61BEF0D-F0BB-DE4B-95CE-6DB70DBA9567}" type="datetimeFigureOut">
               <a:rPr lang="en-US" dirty="0"/>
               <a:pPr/>
-              <a:t>10/13/2020</a:t>
+              <a:t>10/29/2020</a:t>
             </a:fld>
             <a:endParaRPr lang="en-US" dirty="0"/>
           </a:p>
@@ -4581,7 +4691,7 @@
             <a:fld id="{B61BEF0D-F0BB-DE4B-95CE-6DB70DBA9567}" type="datetimeFigureOut">
               <a:rPr lang="en-US" dirty="0"/>
               <a:pPr/>
-              <a:t>10/13/2020</a:t>
+              <a:t>10/29/2020</a:t>
             </a:fld>
             <a:endParaRPr lang="en-US" dirty="0"/>
           </a:p>
@@ -4914,7 +5024,7 @@
             <a:fld id="{B61BEF0D-F0BB-DE4B-95CE-6DB70DBA9567}" type="datetimeFigureOut">
               <a:rPr lang="en-US" dirty="0"/>
               <a:pPr/>
-              <a:t>10/13/2020</a:t>
+              <a:t>10/29/2020</a:t>
             </a:fld>
             <a:endParaRPr lang="en-US" dirty="0"/>
           </a:p>
@@ -5231,7 +5341,7 @@
             <a:fld id="{B61BEF0D-F0BB-DE4B-95CE-6DB70DBA9567}" type="datetimeFigureOut">
               <a:rPr lang="en-US" dirty="0"/>
               <a:pPr/>
-              <a:t>10/13/2020</a:t>
+              <a:t>10/29/2020</a:t>
             </a:fld>
             <a:endParaRPr lang="en-US" dirty="0"/>
           </a:p>
@@ -5624,7 +5734,7 @@
             <a:fld id="{B61BEF0D-F0BB-DE4B-95CE-6DB70DBA9567}" type="datetimeFigureOut">
               <a:rPr lang="en-US" dirty="0"/>
               <a:pPr/>
-              <a:t>10/13/2020</a:t>
+              <a:t>10/29/2020</a:t>
             </a:fld>
             <a:endParaRPr lang="en-US" dirty="0"/>
           </a:p>
@@ -5878,7 +5988,7 @@
             <a:fld id="{B61BEF0D-F0BB-DE4B-95CE-6DB70DBA9567}" type="datetimeFigureOut">
               <a:rPr lang="en-US" dirty="0"/>
               <a:pPr/>
-              <a:t>10/13/2020</a:t>
+              <a:t>10/29/2020</a:t>
             </a:fld>
             <a:endParaRPr lang="en-US" dirty="0"/>
           </a:p>
@@ -6137,7 +6247,7 @@
             <a:fld id="{B61BEF0D-F0BB-DE4B-95CE-6DB70DBA9567}" type="datetimeFigureOut">
               <a:rPr lang="en-US" dirty="0"/>
               <a:pPr/>
-              <a:t>10/13/2020</a:t>
+              <a:t>10/29/2020</a:t>
             </a:fld>
             <a:endParaRPr lang="en-US" dirty="0"/>
           </a:p>
@@ -6396,7 +6506,7 @@
             <a:fld id="{B61BEF0D-F0BB-DE4B-95CE-6DB70DBA9567}" type="datetimeFigureOut">
               <a:rPr lang="en-US" dirty="0"/>
               <a:pPr/>
-              <a:t>10/13/2020</a:t>
+              <a:t>10/29/2020</a:t>
             </a:fld>
             <a:endParaRPr lang="en-US" dirty="0"/>
           </a:p>
@@ -6722,7 +6832,7 @@
             <a:fld id="{B61BEF0D-F0BB-DE4B-95CE-6DB70DBA9567}" type="datetimeFigureOut">
               <a:rPr lang="en-US" dirty="0"/>
               <a:pPr/>
-              <a:t>10/13/2020</a:t>
+              <a:t>10/29/2020</a:t>
             </a:fld>
             <a:endParaRPr lang="en-US" dirty="0"/>
           </a:p>
@@ -7042,7 +7152,7 @@
             <a:fld id="{B61BEF0D-F0BB-DE4B-95CE-6DB70DBA9567}" type="datetimeFigureOut">
               <a:rPr lang="en-US" dirty="0"/>
               <a:pPr/>
-              <a:t>10/13/2020</a:t>
+              <a:t>10/29/2020</a:t>
             </a:fld>
             <a:endParaRPr lang="en-US" dirty="0"/>
           </a:p>
@@ -7496,7 +7606,7 @@
             <a:fld id="{B61BEF0D-F0BB-DE4B-95CE-6DB70DBA9567}" type="datetimeFigureOut">
               <a:rPr lang="en-US" dirty="0"/>
               <a:pPr/>
-              <a:t>10/13/2020</a:t>
+              <a:t>10/29/2020</a:t>
             </a:fld>
             <a:endParaRPr lang="en-US" dirty="0"/>
           </a:p>
@@ -7698,7 +7808,7 @@
             <a:fld id="{B61BEF0D-F0BB-DE4B-95CE-6DB70DBA9567}" type="datetimeFigureOut">
               <a:rPr lang="en-US" dirty="0"/>
               <a:pPr/>
-              <a:t>10/13/2020</a:t>
+              <a:t>10/29/2020</a:t>
             </a:fld>
             <a:endParaRPr lang="en-US" dirty="0"/>
           </a:p>
@@ -7872,7 +7982,7 @@
             <a:fld id="{B61BEF0D-F0BB-DE4B-95CE-6DB70DBA9567}" type="datetimeFigureOut">
               <a:rPr lang="en-US" dirty="0"/>
               <a:pPr/>
-              <a:t>10/13/2020</a:t>
+              <a:t>10/29/2020</a:t>
             </a:fld>
             <a:endParaRPr lang="en-US" dirty="0"/>
           </a:p>
@@ -8202,7 +8312,7 @@
             <a:fld id="{B61BEF0D-F0BB-DE4B-95CE-6DB70DBA9567}" type="datetimeFigureOut">
               <a:rPr lang="en-US" dirty="0"/>
               <a:pPr/>
-              <a:t>10/13/2020</a:t>
+              <a:t>10/29/2020</a:t>
             </a:fld>
             <a:endParaRPr lang="en-US" dirty="0"/>
           </a:p>
@@ -8544,7 +8654,7 @@
             <a:fld id="{B61BEF0D-F0BB-DE4B-95CE-6DB70DBA9567}" type="datetimeFigureOut">
               <a:rPr lang="en-US" dirty="0"/>
               <a:pPr/>
-              <a:t>10/13/2020</a:t>
+              <a:t>10/29/2020</a:t>
             </a:fld>
             <a:endParaRPr lang="en-US" dirty="0"/>
           </a:p>
@@ -10658,7 +10768,7 @@
             <a:fld id="{B61BEF0D-F0BB-DE4B-95CE-6DB70DBA9567}" type="datetimeFigureOut">
               <a:rPr lang="en-US" dirty="0"/>
               <a:pPr/>
-              <a:t>10/13/2020</a:t>
+              <a:t>10/29/2020</a:t>
             </a:fld>
             <a:endParaRPr lang="en-US" dirty="0"/>
           </a:p>
@@ -11306,11 +11416,7 @@
             </a:r>
             <a:r>
               <a:rPr lang="en-US" b="1" dirty="0"/>
-              <a:t>chi </a:t>
-            </a:r>
-            <a:r>
-              <a:rPr lang="en-US" b="1" dirty="0"/>
-              <a:t>square p&lt;5%).</a:t>
+              <a:t>chi square p&lt;5%).</a:t>
             </a:r>
             <a:endParaRPr lang="en-US" dirty="0"/>
           </a:p>
@@ -11435,11 +11541,7 @@
             </a:r>
             <a:r>
               <a:rPr lang="en-US" b="1" dirty="0"/>
-              <a:t>chi </a:t>
-            </a:r>
-            <a:r>
-              <a:rPr lang="en-US" b="1" dirty="0"/>
-              <a:t>square p&lt;5%).</a:t>
+              <a:t>chi square p&lt;5%).</a:t>
             </a:r>
             <a:endParaRPr lang="en-US" dirty="0"/>
           </a:p>
@@ -11582,11 +11684,7 @@
             </a:r>
             <a:r>
               <a:rPr lang="en-US" b="1" dirty="0"/>
-              <a:t>chi </a:t>
-            </a:r>
-            <a:r>
-              <a:rPr lang="en-US" b="1" dirty="0"/>
-              <a:t>square p&lt;5%).</a:t>
+              <a:t>chi square p&lt;5%).</a:t>
             </a:r>
             <a:endParaRPr lang="en-US" dirty="0"/>
           </a:p>
@@ -11707,11 +11805,7 @@
             </a:r>
             <a:r>
               <a:rPr lang="en-US" b="1" dirty="0"/>
-              <a:t>chi </a:t>
-            </a:r>
-            <a:r>
-              <a:rPr lang="en-US" b="1" dirty="0"/>
-              <a:t>square p&lt;5%).</a:t>
+              <a:t>chi square p&lt;5%).</a:t>
             </a:r>
             <a:endParaRPr lang="en-US" dirty="0"/>
           </a:p>
@@ -11781,49 +11875,8 @@
         </p:blipFill>
         <p:spPr bwMode="auto">
           <a:xfrm>
-            <a:off x="5050972" y="1351154"/>
+            <a:off x="3229060" y="1305878"/>
             <a:ext cx="3438638" cy="2337779"/>
-          </a:xfrm>
-          <a:prstGeom prst="rect">
-            <a:avLst/>
-          </a:prstGeom>
-          <a:noFill/>
-          <a:extLst>
-            <a:ext uri="{909E8E84-426E-40DD-AFC4-6F175D3DCCD1}">
-              <a14:hiddenFill xmlns:a14="http://schemas.microsoft.com/office/drawing/2010/main">
-                <a:solidFill>
-                  <a:srgbClr val="FFFFFF"/>
-                </a:solidFill>
-              </a14:hiddenFill>
-            </a:ext>
-          </a:extLst>
-        </p:spPr>
-      </p:pic>
-      <p:pic>
-        <p:nvPicPr>
-          <p:cNvPr id="1026" name="صورة 22"/>
-          <p:cNvPicPr>
-            <a:picLocks noChangeAspect="1" noChangeArrowheads="1"/>
-          </p:cNvPicPr>
-          <p:nvPr/>
-        </p:nvPicPr>
-        <p:blipFill>
-          <a:blip r:embed="rId4">
-            <a:extLst>
-              <a:ext uri="{28A0092B-C50C-407E-A947-70E740481C1C}">
-                <a14:useLocalDpi xmlns:a14="http://schemas.microsoft.com/office/drawing/2010/main" val="0"/>
-              </a:ext>
-            </a:extLst>
-          </a:blip>
-          <a:srcRect/>
-          <a:stretch>
-            <a:fillRect/>
-          </a:stretch>
-        </p:blipFill>
-        <p:spPr bwMode="auto">
-          <a:xfrm>
-            <a:off x="1667018" y="1429242"/>
-            <a:ext cx="3149600" cy="2367784"/>
           </a:xfrm>
           <a:prstGeom prst="rect">
             <a:avLst/>
@@ -11848,7 +11901,7 @@
         </p:nvSpPr>
         <p:spPr>
           <a:xfrm>
-            <a:off x="6316480" y="3688933"/>
+            <a:off x="4494568" y="3697779"/>
             <a:ext cx="907621" cy="369332"/>
           </a:xfrm>
           <a:prstGeom prst="rect">
@@ -11865,36 +11918,6 @@
             <a:r>
               <a:rPr lang="en-US" b="1" dirty="0" smtClean="0"/>
               <a:t>Month</a:t>
-            </a:r>
-            <a:endParaRPr lang="en-US" b="1" dirty="0"/>
-          </a:p>
-        </p:txBody>
-      </p:sp>
-      <p:sp>
-        <p:nvSpPr>
-          <p:cNvPr id="12" name="مربع نص 11"/>
-          <p:cNvSpPr txBox="1"/>
-          <p:nvPr/>
-        </p:nvSpPr>
-        <p:spPr>
-          <a:xfrm>
-            <a:off x="2788007" y="3837169"/>
-            <a:ext cx="697627" cy="369332"/>
-          </a:xfrm>
-          <a:prstGeom prst="rect">
-            <a:avLst/>
-          </a:prstGeom>
-          <a:noFill/>
-        </p:spPr>
-        <p:txBody>
-          <a:bodyPr wrap="none" rtlCol="0">
-            <a:spAutoFit/>
-          </a:bodyPr>
-          <a:lstStyle/>
-          <a:p>
-            <a:r>
-              <a:rPr lang="en-US" b="1" dirty="0" smtClean="0"/>
-              <a:t>Year</a:t>
             </a:r>
             <a:endParaRPr lang="en-US" b="1" dirty="0"/>
           </a:p>
@@ -12023,11 +12046,7 @@
             </a:r>
             <a:r>
               <a:rPr lang="en-US" b="1" dirty="0"/>
-              <a:t>chi </a:t>
-            </a:r>
-            <a:r>
-              <a:rPr lang="en-US" b="1" dirty="0"/>
-              <a:t>square p&lt;5%).</a:t>
+              <a:t>chi square p&lt;5%).</a:t>
             </a:r>
             <a:endParaRPr lang="en-US" dirty="0"/>
           </a:p>
@@ -12317,83 +12336,155 @@
           </a:p>
         </p:txBody>
       </p:sp>
+      <p:sp>
+        <p:nvSpPr>
+          <p:cNvPr id="5" name="مربع نص 4"/>
+          <p:cNvSpPr txBox="1"/>
+          <p:nvPr/>
+        </p:nvSpPr>
+        <p:spPr>
+          <a:xfrm>
+            <a:off x="3029378" y="4534154"/>
+            <a:ext cx="2796040" cy="1477328"/>
+          </a:xfrm>
+          <a:prstGeom prst="rect">
+            <a:avLst/>
+          </a:prstGeom>
+          <a:noFill/>
+        </p:spPr>
+        <p:txBody>
+          <a:bodyPr wrap="square" rtlCol="0">
+            <a:spAutoFit/>
+          </a:bodyPr>
+          <a:lstStyle/>
+          <a:p>
+            <a:pPr algn="ctr"/>
+            <a:r>
+              <a:rPr lang="en-US" b="1" u="sng" dirty="0">
+                <a:solidFill>
+                  <a:schemeClr val="accent6">
+                    <a:lumMod val="75000"/>
+                  </a:schemeClr>
+                </a:solidFill>
+              </a:rPr>
+              <a:t>gradient boost classifier </a:t>
+            </a:r>
+            <a:r>
+              <a:rPr lang="en-US" b="1" dirty="0">
+                <a:solidFill>
+                  <a:schemeClr val="accent5">
+                    <a:lumMod val="75000"/>
+                  </a:schemeClr>
+                </a:solidFill>
+              </a:rPr>
+              <a:t>achieved best result (highest accuracy &amp; lowest </a:t>
+            </a:r>
+            <a:r>
+              <a:rPr lang="en-US" b="1" dirty="0" err="1">
+                <a:solidFill>
+                  <a:schemeClr val="accent5">
+                    <a:lumMod val="75000"/>
+                  </a:schemeClr>
+                </a:solidFill>
+              </a:rPr>
+              <a:t>log_loss</a:t>
+            </a:r>
+            <a:r>
+              <a:rPr lang="en-US" b="1" dirty="0" smtClean="0">
+                <a:solidFill>
+                  <a:schemeClr val="accent5">
+                    <a:lumMod val="75000"/>
+                  </a:schemeClr>
+                </a:solidFill>
+              </a:rPr>
+              <a:t>)</a:t>
+            </a:r>
+            <a:endParaRPr lang="en-US" b="1" dirty="0">
+              <a:solidFill>
+                <a:schemeClr val="accent5">
+                  <a:lumMod val="75000"/>
+                </a:schemeClr>
+              </a:solidFill>
+            </a:endParaRPr>
+          </a:p>
+        </p:txBody>
+      </p:sp>
       <p:graphicFrame>
         <p:nvGraphicFramePr>
-          <p:cNvPr id="4" name="عنصر نائب للمحتوى 3"/>
+          <p:cNvPr id="3" name="جدول 2"/>
           <p:cNvGraphicFramePr>
             <a:graphicFrameLocks noGrp="1"/>
           </p:cNvGraphicFramePr>
           <p:nvPr>
-            <p:ph idx="1"/>
             <p:extLst>
               <p:ext uri="{D42A27DB-BD31-4B8C-83A1-F6EECF244321}">
-                <p14:modId xmlns:p14="http://schemas.microsoft.com/office/powerpoint/2010/main" val="1154660873"/>
+                <p14:modId xmlns:p14="http://schemas.microsoft.com/office/powerpoint/2010/main" val="1685727053"/>
               </p:ext>
             </p:extLst>
           </p:nvPr>
         </p:nvGraphicFramePr>
         <p:xfrm>
-          <a:off x="1059543" y="2209800"/>
-          <a:ext cx="7108055" cy="2919457"/>
+          <a:off x="920973" y="1591515"/>
+          <a:ext cx="7012851" cy="2713898"/>
         </p:xfrm>
         <a:graphic>
           <a:graphicData uri="http://schemas.openxmlformats.org/drawingml/2006/table">
             <a:tbl>
               <a:tblPr firstRow="1" firstCol="1" bandRow="1">
-                <a:tableStyleId>{85BE263C-DBD7-4A20-BB59-AAB30ACAA65A}</a:tableStyleId>
+                <a:tableStyleId>{21E4AEA4-8DFA-4A89-87EB-49C32662AFE0}</a:tableStyleId>
               </a:tblPr>
               <a:tblGrid>
-                <a:gridCol w="1132114">
+                <a:gridCol w="1160201">
                   <a:extLst>
                     <a:ext uri="{9D8B030D-6E8A-4147-A177-3AD203B41FA5}">
-                      <a16:colId xmlns:a16="http://schemas.microsoft.com/office/drawing/2014/main" val="735090245"/>
+                      <a16:colId xmlns:a16="http://schemas.microsoft.com/office/drawing/2014/main" val="3480382476"/>
                     </a:ext>
                   </a:extLst>
                 </a:gridCol>
-                <a:gridCol w="1166133">
+                <a:gridCol w="1037540">
                   <a:extLst>
                     <a:ext uri="{9D8B030D-6E8A-4147-A177-3AD203B41FA5}">
-                      <a16:colId xmlns:a16="http://schemas.microsoft.com/office/drawing/2014/main" val="2711487286"/>
+                      <a16:colId xmlns:a16="http://schemas.microsoft.com/office/drawing/2014/main" val="3090401955"/>
                     </a:ext>
                   </a:extLst>
                 </a:gridCol>
-                <a:gridCol w="961248">
+                <a:gridCol w="1054141">
                   <a:extLst>
                     <a:ext uri="{9D8B030D-6E8A-4147-A177-3AD203B41FA5}">
-                      <a16:colId xmlns:a16="http://schemas.microsoft.com/office/drawing/2014/main" val="2124092972"/>
+                      <a16:colId xmlns:a16="http://schemas.microsoft.com/office/drawing/2014/main" val="2223058588"/>
                     </a:ext>
                   </a:extLst>
                 </a:gridCol>
-                <a:gridCol w="962140">
+                <a:gridCol w="945314">
                   <a:extLst>
                     <a:ext uri="{9D8B030D-6E8A-4147-A177-3AD203B41FA5}">
-                      <a16:colId xmlns:a16="http://schemas.microsoft.com/office/drawing/2014/main" val="3301164493"/>
+                      <a16:colId xmlns:a16="http://schemas.microsoft.com/office/drawing/2014/main" val="1929074811"/>
                     </a:ext>
                   </a:extLst>
                 </a:gridCol>
-                <a:gridCol w="962140">
+                <a:gridCol w="946237">
                   <a:extLst>
                     <a:ext uri="{9D8B030D-6E8A-4147-A177-3AD203B41FA5}">
-                      <a16:colId xmlns:a16="http://schemas.microsoft.com/office/drawing/2014/main" val="1177732067"/>
+                      <a16:colId xmlns:a16="http://schemas.microsoft.com/office/drawing/2014/main" val="1686893606"/>
                     </a:ext>
                   </a:extLst>
                 </a:gridCol>
-                <a:gridCol w="962140">
+                <a:gridCol w="946237">
                   <a:extLst>
                     <a:ext uri="{9D8B030D-6E8A-4147-A177-3AD203B41FA5}">
-                      <a16:colId xmlns:a16="http://schemas.microsoft.com/office/drawing/2014/main" val="2839461927"/>
+                      <a16:colId xmlns:a16="http://schemas.microsoft.com/office/drawing/2014/main" val="2277320526"/>
                     </a:ext>
                   </a:extLst>
                 </a:gridCol>
-                <a:gridCol w="962140">
+                <a:gridCol w="923181">
                   <a:extLst>
                     <a:ext uri="{9D8B030D-6E8A-4147-A177-3AD203B41FA5}">
-                      <a16:colId xmlns:a16="http://schemas.microsoft.com/office/drawing/2014/main" val="3116582771"/>
+                      <a16:colId xmlns:a16="http://schemas.microsoft.com/office/drawing/2014/main" val="3862299407"/>
                     </a:ext>
                   </a:extLst>
                 </a:gridCol>
               </a:tblGrid>
-              <a:tr h="423332">
+              <a:tr h="404667">
                 <a:tc>
                   <a:txBody>
                     <a:bodyPr/>
@@ -12408,12 +12499,12 @@
                         </a:spcAft>
                       </a:pPr>
                       <a:r>
-                        <a:rPr lang="en-US" sz="1600" b="1">
+                        <a:rPr lang="en-US" sz="1600" b="1" dirty="0">
                           <a:effectLst/>
                         </a:rPr>
                         <a:t> </a:t>
                       </a:r>
-                      <a:endParaRPr lang="en-US" sz="1200" b="1">
+                      <a:endParaRPr lang="en-US" sz="1200" b="1" dirty="0">
                         <a:effectLst/>
                         <a:latin typeface="Calibri" panose="020F0502020204030204" pitchFamily="34" charset="0"/>
                         <a:ea typeface="Calibri" panose="020F0502020204030204" pitchFamily="34" charset="0"/>
@@ -12421,7 +12512,544 @@
                       </a:endParaRPr>
                     </a:p>
                   </a:txBody>
-                  <a:tcPr marL="68580" marR="68580" marT="0" marB="0"/>
+                  <a:tcPr marL="68580" marR="68580" marT="0" marB="0" anchor="ctr">
+                    <a:lnL w="28575" cap="flat" cmpd="sng" algn="ctr">
+                      <a:noFill/>
+                      <a:prstDash val="solid"/>
+                      <a:round/>
+                      <a:headEnd type="none" w="med" len="med"/>
+                      <a:tailEnd type="none" w="med" len="med"/>
+                    </a:lnL>
+                    <a:lnR w="28575" cap="flat" cmpd="sng" algn="ctr">
+                      <a:solidFill>
+                        <a:schemeClr val="tx1"/>
+                      </a:solidFill>
+                      <a:prstDash val="solid"/>
+                      <a:round/>
+                      <a:headEnd type="none" w="med" len="med"/>
+                      <a:tailEnd type="none" w="med" len="med"/>
+                    </a:lnR>
+                    <a:lnT w="28575" cap="flat" cmpd="sng" algn="ctr">
+                      <a:noFill/>
+                      <a:prstDash val="solid"/>
+                      <a:round/>
+                      <a:headEnd type="none" w="med" len="med"/>
+                      <a:tailEnd type="none" w="med" len="med"/>
+                    </a:lnT>
+                    <a:lnB w="28575" cap="flat" cmpd="sng" algn="ctr">
+                      <a:solidFill>
+                        <a:schemeClr val="tx1"/>
+                      </a:solidFill>
+                      <a:prstDash val="solid"/>
+                      <a:round/>
+                      <a:headEnd type="none" w="med" len="med"/>
+                      <a:tailEnd type="none" w="med" len="med"/>
+                    </a:lnB>
+                    <a:lnTlToBr w="12700" cmpd="sng">
+                      <a:noFill/>
+                      <a:prstDash val="solid"/>
+                    </a:lnTlToBr>
+                    <a:lnBlToTr w="12700" cmpd="sng">
+                      <a:noFill/>
+                      <a:prstDash val="solid"/>
+                    </a:lnBlToTr>
+                  </a:tcPr>
+                </a:tc>
+                <a:tc>
+                  <a:txBody>
+                    <a:bodyPr/>
+                    <a:lstStyle/>
+                    <a:p>
+                      <a:pPr algn="ctr">
+                        <a:lnSpc>
+                          <a:spcPct val="107000"/>
+                        </a:lnSpc>
+                        <a:spcAft>
+                          <a:spcPts val="0"/>
+                        </a:spcAft>
+                      </a:pPr>
+                      <a:r>
+                        <a:rPr lang="en-US" sz="1600" b="1" dirty="0">
+                          <a:effectLst/>
+                        </a:rPr>
+                        <a:t>LR</a:t>
+                      </a:r>
+                      <a:endParaRPr lang="en-US" sz="1200" b="1" dirty="0">
+                        <a:effectLst/>
+                        <a:latin typeface="Calibri" panose="020F0502020204030204" pitchFamily="34" charset="0"/>
+                        <a:ea typeface="Calibri" panose="020F0502020204030204" pitchFamily="34" charset="0"/>
+                        <a:cs typeface="Arial" panose="020B0604020202020204" pitchFamily="34" charset="0"/>
+                      </a:endParaRPr>
+                    </a:p>
+                  </a:txBody>
+                  <a:tcPr marL="68580" marR="68580" marT="0" marB="0" anchor="ctr">
+                    <a:lnL w="28575" cap="flat" cmpd="sng" algn="ctr">
+                      <a:solidFill>
+                        <a:schemeClr val="tx1"/>
+                      </a:solidFill>
+                      <a:prstDash val="solid"/>
+                      <a:round/>
+                      <a:headEnd type="none" w="med" len="med"/>
+                      <a:tailEnd type="none" w="med" len="med"/>
+                    </a:lnL>
+                    <a:lnR w="12700" cmpd="sng">
+                      <a:noFill/>
+                    </a:lnR>
+                    <a:lnT w="28575" cap="flat" cmpd="sng" algn="ctr">
+                      <a:solidFill>
+                        <a:schemeClr val="tx1"/>
+                      </a:solidFill>
+                      <a:prstDash val="solid"/>
+                      <a:round/>
+                      <a:headEnd type="none" w="med" len="med"/>
+                      <a:tailEnd type="none" w="med" len="med"/>
+                    </a:lnT>
+                    <a:lnB w="28575" cap="flat" cmpd="sng" algn="ctr">
+                      <a:solidFill>
+                        <a:schemeClr val="tx1"/>
+                      </a:solidFill>
+                      <a:prstDash val="solid"/>
+                      <a:round/>
+                      <a:headEnd type="none" w="med" len="med"/>
+                      <a:tailEnd type="none" w="med" len="med"/>
+                    </a:lnB>
+                    <a:lnTlToBr w="12700" cmpd="sng">
+                      <a:noFill/>
+                      <a:prstDash val="solid"/>
+                    </a:lnTlToBr>
+                    <a:lnBlToTr w="12700" cmpd="sng">
+                      <a:noFill/>
+                      <a:prstDash val="solid"/>
+                    </a:lnBlToTr>
+                  </a:tcPr>
+                </a:tc>
+                <a:tc>
+                  <a:txBody>
+                    <a:bodyPr/>
+                    <a:lstStyle/>
+                    <a:p>
+                      <a:pPr algn="ctr">
+                        <a:lnSpc>
+                          <a:spcPct val="107000"/>
+                        </a:lnSpc>
+                        <a:spcAft>
+                          <a:spcPts val="0"/>
+                        </a:spcAft>
+                      </a:pPr>
+                      <a:r>
+                        <a:rPr lang="en-US" sz="1600" b="1" dirty="0">
+                          <a:effectLst/>
+                        </a:rPr>
+                        <a:t>KNN</a:t>
+                      </a:r>
+                      <a:endParaRPr lang="en-US" sz="1200" b="1" dirty="0">
+                        <a:effectLst/>
+                        <a:latin typeface="Calibri" panose="020F0502020204030204" pitchFamily="34" charset="0"/>
+                        <a:ea typeface="Calibri" panose="020F0502020204030204" pitchFamily="34" charset="0"/>
+                        <a:cs typeface="Arial" panose="020B0604020202020204" pitchFamily="34" charset="0"/>
+                      </a:endParaRPr>
+                    </a:p>
+                  </a:txBody>
+                  <a:tcPr marL="68580" marR="68580" marT="0" marB="0" anchor="ctr">
+                    <a:lnL w="12700" cmpd="sng">
+                      <a:noFill/>
+                    </a:lnL>
+                    <a:lnR w="12700" cmpd="sng">
+                      <a:noFill/>
+                    </a:lnR>
+                    <a:lnT w="28575" cap="flat" cmpd="sng" algn="ctr">
+                      <a:solidFill>
+                        <a:schemeClr val="tx1"/>
+                      </a:solidFill>
+                      <a:prstDash val="solid"/>
+                      <a:round/>
+                      <a:headEnd type="none" w="med" len="med"/>
+                      <a:tailEnd type="none" w="med" len="med"/>
+                    </a:lnT>
+                    <a:lnB w="28575" cap="flat" cmpd="sng" algn="ctr">
+                      <a:solidFill>
+                        <a:schemeClr val="tx1"/>
+                      </a:solidFill>
+                      <a:prstDash val="solid"/>
+                      <a:round/>
+                      <a:headEnd type="none" w="med" len="med"/>
+                      <a:tailEnd type="none" w="med" len="med"/>
+                    </a:lnB>
+                    <a:lnTlToBr w="12700" cmpd="sng">
+                      <a:noFill/>
+                      <a:prstDash val="solid"/>
+                    </a:lnTlToBr>
+                    <a:lnBlToTr w="12700" cmpd="sng">
+                      <a:noFill/>
+                      <a:prstDash val="solid"/>
+                    </a:lnBlToTr>
+                  </a:tcPr>
+                </a:tc>
+                <a:tc>
+                  <a:txBody>
+                    <a:bodyPr/>
+                    <a:lstStyle/>
+                    <a:p>
+                      <a:pPr algn="ctr">
+                        <a:lnSpc>
+                          <a:spcPct val="107000"/>
+                        </a:lnSpc>
+                        <a:spcAft>
+                          <a:spcPts val="0"/>
+                        </a:spcAft>
+                      </a:pPr>
+                      <a:r>
+                        <a:rPr lang="en-US" sz="1600" b="1" dirty="0">
+                          <a:effectLst/>
+                        </a:rPr>
+                        <a:t>DT</a:t>
+                      </a:r>
+                      <a:endParaRPr lang="en-US" sz="1200" b="1" dirty="0">
+                        <a:effectLst/>
+                        <a:latin typeface="Calibri" panose="020F0502020204030204" pitchFamily="34" charset="0"/>
+                        <a:ea typeface="Calibri" panose="020F0502020204030204" pitchFamily="34" charset="0"/>
+                        <a:cs typeface="Arial" panose="020B0604020202020204" pitchFamily="34" charset="0"/>
+                      </a:endParaRPr>
+                    </a:p>
+                  </a:txBody>
+                  <a:tcPr marL="68580" marR="68580" marT="0" marB="0" anchor="ctr">
+                    <a:lnL w="12700" cmpd="sng">
+                      <a:noFill/>
+                    </a:lnL>
+                    <a:lnR w="12700" cmpd="sng">
+                      <a:noFill/>
+                    </a:lnR>
+                    <a:lnT w="28575" cap="flat" cmpd="sng" algn="ctr">
+                      <a:solidFill>
+                        <a:schemeClr val="tx1"/>
+                      </a:solidFill>
+                      <a:prstDash val="solid"/>
+                      <a:round/>
+                      <a:headEnd type="none" w="med" len="med"/>
+                      <a:tailEnd type="none" w="med" len="med"/>
+                    </a:lnT>
+                    <a:lnB w="28575" cap="flat" cmpd="sng" algn="ctr">
+                      <a:solidFill>
+                        <a:schemeClr val="tx1"/>
+                      </a:solidFill>
+                      <a:prstDash val="solid"/>
+                      <a:round/>
+                      <a:headEnd type="none" w="med" len="med"/>
+                      <a:tailEnd type="none" w="med" len="med"/>
+                    </a:lnB>
+                    <a:lnTlToBr w="12700" cmpd="sng">
+                      <a:noFill/>
+                      <a:prstDash val="solid"/>
+                    </a:lnTlToBr>
+                    <a:lnBlToTr w="12700" cmpd="sng">
+                      <a:noFill/>
+                      <a:prstDash val="solid"/>
+                    </a:lnBlToTr>
+                  </a:tcPr>
+                </a:tc>
+                <a:tc>
+                  <a:txBody>
+                    <a:bodyPr/>
+                    <a:lstStyle/>
+                    <a:p>
+                      <a:pPr algn="ctr">
+                        <a:lnSpc>
+                          <a:spcPct val="107000"/>
+                        </a:lnSpc>
+                        <a:spcAft>
+                          <a:spcPts val="0"/>
+                        </a:spcAft>
+                      </a:pPr>
+                      <a:r>
+                        <a:rPr lang="en-US" sz="1600" b="1" dirty="0">
+                          <a:effectLst/>
+                        </a:rPr>
+                        <a:t>RF</a:t>
+                      </a:r>
+                      <a:endParaRPr lang="en-US" sz="1200" b="1" dirty="0">
+                        <a:effectLst/>
+                        <a:latin typeface="Calibri" panose="020F0502020204030204" pitchFamily="34" charset="0"/>
+                        <a:ea typeface="Calibri" panose="020F0502020204030204" pitchFamily="34" charset="0"/>
+                        <a:cs typeface="Arial" panose="020B0604020202020204" pitchFamily="34" charset="0"/>
+                      </a:endParaRPr>
+                    </a:p>
+                  </a:txBody>
+                  <a:tcPr marL="68580" marR="68580" marT="0" marB="0" anchor="ctr">
+                    <a:lnL w="12700" cmpd="sng">
+                      <a:noFill/>
+                    </a:lnL>
+                    <a:lnR w="12700" cmpd="sng">
+                      <a:noFill/>
+                    </a:lnR>
+                    <a:lnT w="28575" cap="flat" cmpd="sng" algn="ctr">
+                      <a:solidFill>
+                        <a:schemeClr val="tx1"/>
+                      </a:solidFill>
+                      <a:prstDash val="solid"/>
+                      <a:round/>
+                      <a:headEnd type="none" w="med" len="med"/>
+                      <a:tailEnd type="none" w="med" len="med"/>
+                    </a:lnT>
+                    <a:lnB w="28575" cap="flat" cmpd="sng" algn="ctr">
+                      <a:solidFill>
+                        <a:schemeClr val="tx1"/>
+                      </a:solidFill>
+                      <a:prstDash val="solid"/>
+                      <a:round/>
+                      <a:headEnd type="none" w="med" len="med"/>
+                      <a:tailEnd type="none" w="med" len="med"/>
+                    </a:lnB>
+                    <a:lnTlToBr w="12700" cmpd="sng">
+                      <a:noFill/>
+                      <a:prstDash val="solid"/>
+                    </a:lnTlToBr>
+                    <a:lnBlToTr w="12700" cmpd="sng">
+                      <a:noFill/>
+                      <a:prstDash val="solid"/>
+                    </a:lnBlToTr>
+                  </a:tcPr>
+                </a:tc>
+                <a:tc>
+                  <a:txBody>
+                    <a:bodyPr/>
+                    <a:lstStyle/>
+                    <a:p>
+                      <a:pPr algn="ctr">
+                        <a:lnSpc>
+                          <a:spcPct val="107000"/>
+                        </a:lnSpc>
+                        <a:spcAft>
+                          <a:spcPts val="0"/>
+                        </a:spcAft>
+                      </a:pPr>
+                      <a:r>
+                        <a:rPr lang="en-US" sz="1600" b="1" dirty="0">
+                          <a:effectLst/>
+                        </a:rPr>
+                        <a:t>GB</a:t>
+                      </a:r>
+                      <a:endParaRPr lang="en-US" sz="1200" b="1" dirty="0">
+                        <a:effectLst/>
+                        <a:latin typeface="Calibri" panose="020F0502020204030204" pitchFamily="34" charset="0"/>
+                        <a:ea typeface="Calibri" panose="020F0502020204030204" pitchFamily="34" charset="0"/>
+                        <a:cs typeface="Arial" panose="020B0604020202020204" pitchFamily="34" charset="0"/>
+                      </a:endParaRPr>
+                    </a:p>
+                  </a:txBody>
+                  <a:tcPr marL="68580" marR="68580" marT="0" marB="0" anchor="ctr">
+                    <a:lnL w="12700" cmpd="sng">
+                      <a:noFill/>
+                    </a:lnL>
+                    <a:lnR w="12700" cmpd="sng">
+                      <a:noFill/>
+                    </a:lnR>
+                    <a:lnT w="28575" cap="flat" cmpd="sng" algn="ctr">
+                      <a:solidFill>
+                        <a:schemeClr val="tx1"/>
+                      </a:solidFill>
+                      <a:prstDash val="solid"/>
+                      <a:round/>
+                      <a:headEnd type="none" w="med" len="med"/>
+                      <a:tailEnd type="none" w="med" len="med"/>
+                    </a:lnT>
+                    <a:lnB w="28575" cap="flat" cmpd="sng" algn="ctr">
+                      <a:solidFill>
+                        <a:schemeClr val="tx1"/>
+                      </a:solidFill>
+                      <a:prstDash val="solid"/>
+                      <a:round/>
+                      <a:headEnd type="none" w="med" len="med"/>
+                      <a:tailEnd type="none" w="med" len="med"/>
+                    </a:lnB>
+                    <a:lnTlToBr w="12700" cmpd="sng">
+                      <a:noFill/>
+                      <a:prstDash val="solid"/>
+                    </a:lnTlToBr>
+                    <a:lnBlToTr w="12700" cmpd="sng">
+                      <a:noFill/>
+                      <a:prstDash val="solid"/>
+                    </a:lnBlToTr>
+                  </a:tcPr>
+                </a:tc>
+                <a:tc>
+                  <a:txBody>
+                    <a:bodyPr/>
+                    <a:lstStyle/>
+                    <a:p>
+                      <a:pPr algn="ctr">
+                        <a:lnSpc>
+                          <a:spcPct val="107000"/>
+                        </a:lnSpc>
+                        <a:spcAft>
+                          <a:spcPts val="0"/>
+                        </a:spcAft>
+                      </a:pPr>
+                      <a:r>
+                        <a:rPr lang="en-US" sz="1600" b="1" dirty="0">
+                          <a:effectLst/>
+                        </a:rPr>
+                        <a:t>SVM</a:t>
+                      </a:r>
+                      <a:endParaRPr lang="en-US" sz="1200" b="1" dirty="0">
+                        <a:effectLst/>
+                        <a:latin typeface="Calibri" panose="020F0502020204030204" pitchFamily="34" charset="0"/>
+                        <a:ea typeface="Calibri" panose="020F0502020204030204" pitchFamily="34" charset="0"/>
+                        <a:cs typeface="Arial" panose="020B0604020202020204" pitchFamily="34" charset="0"/>
+                      </a:endParaRPr>
+                    </a:p>
+                  </a:txBody>
+                  <a:tcPr marL="68580" marR="68580" marT="0" marB="0" anchor="ctr">
+                    <a:lnL w="12700" cmpd="sng">
+                      <a:noFill/>
+                    </a:lnL>
+                    <a:lnR w="28575" cap="flat" cmpd="sng" algn="ctr">
+                      <a:solidFill>
+                        <a:schemeClr val="tx1"/>
+                      </a:solidFill>
+                      <a:prstDash val="solid"/>
+                      <a:round/>
+                      <a:headEnd type="none" w="med" len="med"/>
+                      <a:tailEnd type="none" w="med" len="med"/>
+                    </a:lnR>
+                    <a:lnT w="28575" cap="flat" cmpd="sng" algn="ctr">
+                      <a:solidFill>
+                        <a:schemeClr val="tx1"/>
+                      </a:solidFill>
+                      <a:prstDash val="solid"/>
+                      <a:round/>
+                      <a:headEnd type="none" w="med" len="med"/>
+                      <a:tailEnd type="none" w="med" len="med"/>
+                    </a:lnT>
+                    <a:lnB w="28575" cap="flat" cmpd="sng" algn="ctr">
+                      <a:solidFill>
+                        <a:schemeClr val="tx1"/>
+                      </a:solidFill>
+                      <a:prstDash val="solid"/>
+                      <a:round/>
+                      <a:headEnd type="none" w="med" len="med"/>
+                      <a:tailEnd type="none" w="med" len="med"/>
+                    </a:lnB>
+                    <a:lnTlToBr w="12700" cmpd="sng">
+                      <a:noFill/>
+                      <a:prstDash val="solid"/>
+                    </a:lnTlToBr>
+                    <a:lnBlToTr w="12700" cmpd="sng">
+                      <a:noFill/>
+                      <a:prstDash val="solid"/>
+                    </a:lnBlToTr>
+                  </a:tcPr>
+                </a:tc>
+                <a:extLst>
+                  <a:ext uri="{0D108BD9-81ED-4DB2-BD59-A6C34878D82A}">
+                    <a16:rowId xmlns:a16="http://schemas.microsoft.com/office/drawing/2014/main" val="637961756"/>
+                  </a:ext>
+                </a:extLst>
+              </a:tr>
+              <a:tr h="359832">
+                <a:tc>
+                  <a:txBody>
+                    <a:bodyPr/>
+                    <a:lstStyle/>
+                    <a:p>
+                      <a:pPr algn="ctr">
+                        <a:lnSpc>
+                          <a:spcPct val="107000"/>
+                        </a:lnSpc>
+                        <a:spcAft>
+                          <a:spcPts val="0"/>
+                        </a:spcAft>
+                      </a:pPr>
+                      <a:r>
+                        <a:rPr lang="en-US" sz="1600" b="1" dirty="0">
+                          <a:effectLst/>
+                        </a:rPr>
+                        <a:t>Accuracy</a:t>
+                      </a:r>
+                      <a:endParaRPr lang="en-US" sz="1200" b="1" dirty="0">
+                        <a:effectLst/>
+                        <a:latin typeface="Calibri" panose="020F0502020204030204" pitchFamily="34" charset="0"/>
+                        <a:ea typeface="Calibri" panose="020F0502020204030204" pitchFamily="34" charset="0"/>
+                        <a:cs typeface="Arial" panose="020B0604020202020204" pitchFamily="34" charset="0"/>
+                      </a:endParaRPr>
+                    </a:p>
+                  </a:txBody>
+                  <a:tcPr marL="68580" marR="68580" marT="0" marB="0" anchor="ctr">
+                    <a:lnL w="28575" cap="flat" cmpd="sng" algn="ctr">
+                      <a:solidFill>
+                        <a:schemeClr val="tx1"/>
+                      </a:solidFill>
+                      <a:prstDash val="solid"/>
+                      <a:round/>
+                      <a:headEnd type="none" w="med" len="med"/>
+                      <a:tailEnd type="none" w="med" len="med"/>
+                    </a:lnL>
+                    <a:lnR w="28575" cap="flat" cmpd="sng" algn="ctr">
+                      <a:solidFill>
+                        <a:schemeClr val="tx1"/>
+                      </a:solidFill>
+                      <a:prstDash val="solid"/>
+                      <a:round/>
+                      <a:headEnd type="none" w="med" len="med"/>
+                      <a:tailEnd type="none" w="med" len="med"/>
+                    </a:lnR>
+                    <a:lnT w="28575" cap="flat" cmpd="sng" algn="ctr">
+                      <a:solidFill>
+                        <a:schemeClr val="tx1"/>
+                      </a:solidFill>
+                      <a:prstDash val="solid"/>
+                      <a:round/>
+                      <a:headEnd type="none" w="med" len="med"/>
+                      <a:tailEnd type="none" w="med" len="med"/>
+                    </a:lnT>
+                  </a:tcPr>
+                </a:tc>
+                <a:tc>
+                  <a:txBody>
+                    <a:bodyPr/>
+                    <a:lstStyle/>
+                    <a:p>
+                      <a:pPr algn="ctr">
+                        <a:lnSpc>
+                          <a:spcPct val="107000"/>
+                        </a:lnSpc>
+                        <a:spcAft>
+                          <a:spcPts val="0"/>
+                        </a:spcAft>
+                      </a:pPr>
+                      <a:r>
+                        <a:rPr lang="en-US" sz="1600" b="1" dirty="0">
+                          <a:effectLst/>
+                        </a:rPr>
+                        <a:t>0.7847</a:t>
+                      </a:r>
+                      <a:endParaRPr lang="en-US" sz="1200" b="1" dirty="0">
+                        <a:effectLst/>
+                        <a:latin typeface="Calibri" panose="020F0502020204030204" pitchFamily="34" charset="0"/>
+                        <a:ea typeface="Calibri" panose="020F0502020204030204" pitchFamily="34" charset="0"/>
+                        <a:cs typeface="Arial" panose="020B0604020202020204" pitchFamily="34" charset="0"/>
+                      </a:endParaRPr>
+                    </a:p>
+                  </a:txBody>
+                  <a:tcPr marL="68580" marR="68580" marT="0" marB="0" anchor="ctr">
+                    <a:lnL w="28575" cap="flat" cmpd="sng" algn="ctr">
+                      <a:solidFill>
+                        <a:schemeClr val="tx1"/>
+                      </a:solidFill>
+                      <a:prstDash val="solid"/>
+                      <a:round/>
+                      <a:headEnd type="none" w="med" len="med"/>
+                      <a:tailEnd type="none" w="med" len="med"/>
+                    </a:lnL>
+                    <a:lnT w="28575" cap="flat" cmpd="sng" algn="ctr">
+                      <a:solidFill>
+                        <a:schemeClr val="tx1"/>
+                      </a:solidFill>
+                      <a:prstDash val="solid"/>
+                      <a:round/>
+                      <a:headEnd type="none" w="med" len="med"/>
+                      <a:tailEnd type="none" w="med" len="med"/>
+                    </a:lnT>
+                  </a:tcPr>
                 </a:tc>
                 <a:tc>
                   <a:txBody>
@@ -12440,7 +13068,7 @@
                         <a:rPr lang="en-US" sz="1600" b="1">
                           <a:effectLst/>
                         </a:rPr>
-                        <a:t>LR</a:t>
+                        <a:t>0.7505</a:t>
                       </a:r>
                       <a:endParaRPr lang="en-US" sz="1200" b="1">
                         <a:effectLst/>
@@ -12450,7 +13078,17 @@
                       </a:endParaRPr>
                     </a:p>
                   </a:txBody>
-                  <a:tcPr marL="68580" marR="68580" marT="0" marB="0"/>
+                  <a:tcPr marL="68580" marR="68580" marT="0" marB="0" anchor="ctr">
+                    <a:lnT w="28575" cap="flat" cmpd="sng" algn="ctr">
+                      <a:solidFill>
+                        <a:schemeClr val="tx1"/>
+                      </a:solidFill>
+                      <a:prstDash val="solid"/>
+                      <a:round/>
+                      <a:headEnd type="none" w="med" len="med"/>
+                      <a:tailEnd type="none" w="med" len="med"/>
+                    </a:lnT>
+                  </a:tcPr>
                 </a:tc>
                 <a:tc>
                   <a:txBody>
@@ -12466,12 +13104,12 @@
                         </a:spcAft>
                       </a:pPr>
                       <a:r>
-                        <a:rPr lang="en-US" sz="1600" b="1">
+                        <a:rPr lang="en-US" sz="1600" b="1" dirty="0">
                           <a:effectLst/>
                         </a:rPr>
-                        <a:t>KNN</a:t>
+                        <a:t>0.7110</a:t>
                       </a:r>
-                      <a:endParaRPr lang="en-US" sz="1200" b="1">
+                      <a:endParaRPr lang="en-US" sz="1200" b="1" dirty="0">
                         <a:effectLst/>
                         <a:latin typeface="Calibri" panose="020F0502020204030204" pitchFamily="34" charset="0"/>
                         <a:ea typeface="Calibri" panose="020F0502020204030204" pitchFamily="34" charset="0"/>
@@ -12479,7 +13117,17 @@
                       </a:endParaRPr>
                     </a:p>
                   </a:txBody>
-                  <a:tcPr marL="68580" marR="68580" marT="0" marB="0"/>
+                  <a:tcPr marL="68580" marR="68580" marT="0" marB="0" anchor="ctr">
+                    <a:lnT w="28575" cap="flat" cmpd="sng" algn="ctr">
+                      <a:solidFill>
+                        <a:schemeClr val="tx1"/>
+                      </a:solidFill>
+                      <a:prstDash val="solid"/>
+                      <a:round/>
+                      <a:headEnd type="none" w="med" len="med"/>
+                      <a:tailEnd type="none" w="med" len="med"/>
+                    </a:lnT>
+                  </a:tcPr>
                 </a:tc>
                 <a:tc>
                   <a:txBody>
@@ -12495,12 +13143,12 @@
                         </a:spcAft>
                       </a:pPr>
                       <a:r>
-                        <a:rPr lang="en-US" sz="1600" b="1">
+                        <a:rPr lang="en-US" sz="1600" b="1" dirty="0">
                           <a:effectLst/>
                         </a:rPr>
-                        <a:t>DT</a:t>
+                        <a:t>0.7850</a:t>
                       </a:r>
-                      <a:endParaRPr lang="en-US" sz="1200" b="1">
+                      <a:endParaRPr lang="en-US" sz="1200" b="1" dirty="0">
                         <a:effectLst/>
                         <a:latin typeface="Calibri" panose="020F0502020204030204" pitchFamily="34" charset="0"/>
                         <a:ea typeface="Calibri" panose="020F0502020204030204" pitchFamily="34" charset="0"/>
@@ -12508,246 +13156,17 @@
                       </a:endParaRPr>
                     </a:p>
                   </a:txBody>
-                  <a:tcPr marL="68580" marR="68580" marT="0" marB="0"/>
-                </a:tc>
-                <a:tc>
-                  <a:txBody>
-                    <a:bodyPr/>
-                    <a:lstStyle/>
-                    <a:p>
-                      <a:pPr algn="ctr">
-                        <a:lnSpc>
-                          <a:spcPct val="107000"/>
-                        </a:lnSpc>
-                        <a:spcAft>
-                          <a:spcPts val="0"/>
-                        </a:spcAft>
-                      </a:pPr>
-                      <a:r>
-                        <a:rPr lang="en-US" sz="1600" b="1">
-                          <a:effectLst/>
-                        </a:rPr>
-                        <a:t>RF</a:t>
-                      </a:r>
-                      <a:endParaRPr lang="en-US" sz="1200" b="1">
-                        <a:effectLst/>
-                        <a:latin typeface="Calibri" panose="020F0502020204030204" pitchFamily="34" charset="0"/>
-                        <a:ea typeface="Calibri" panose="020F0502020204030204" pitchFamily="34" charset="0"/>
-                        <a:cs typeface="Arial" panose="020B0604020202020204" pitchFamily="34" charset="0"/>
-                      </a:endParaRPr>
-                    </a:p>
-                  </a:txBody>
-                  <a:tcPr marL="68580" marR="68580" marT="0" marB="0"/>
-                </a:tc>
-                <a:tc>
-                  <a:txBody>
-                    <a:bodyPr/>
-                    <a:lstStyle/>
-                    <a:p>
-                      <a:pPr algn="ctr">
-                        <a:lnSpc>
-                          <a:spcPct val="107000"/>
-                        </a:lnSpc>
-                        <a:spcAft>
-                          <a:spcPts val="0"/>
-                        </a:spcAft>
-                      </a:pPr>
-                      <a:r>
-                        <a:rPr lang="en-US" sz="1600" b="1">
-                          <a:effectLst/>
-                        </a:rPr>
-                        <a:t>GB</a:t>
-                      </a:r>
-                      <a:endParaRPr lang="en-US" sz="1200" b="1">
-                        <a:effectLst/>
-                        <a:latin typeface="Calibri" panose="020F0502020204030204" pitchFamily="34" charset="0"/>
-                        <a:ea typeface="Calibri" panose="020F0502020204030204" pitchFamily="34" charset="0"/>
-                        <a:cs typeface="Arial" panose="020B0604020202020204" pitchFamily="34" charset="0"/>
-                      </a:endParaRPr>
-                    </a:p>
-                  </a:txBody>
-                  <a:tcPr marL="68580" marR="68580" marT="0" marB="0"/>
-                </a:tc>
-                <a:tc>
-                  <a:txBody>
-                    <a:bodyPr/>
-                    <a:lstStyle/>
-                    <a:p>
-                      <a:pPr algn="ctr">
-                        <a:lnSpc>
-                          <a:spcPct val="107000"/>
-                        </a:lnSpc>
-                        <a:spcAft>
-                          <a:spcPts val="0"/>
-                        </a:spcAft>
-                      </a:pPr>
-                      <a:r>
-                        <a:rPr lang="en-US" sz="1600" b="1">
-                          <a:effectLst/>
-                        </a:rPr>
-                        <a:t>Vote</a:t>
-                      </a:r>
-                      <a:endParaRPr lang="en-US" sz="1200" b="1">
-                        <a:effectLst/>
-                        <a:latin typeface="Calibri" panose="020F0502020204030204" pitchFamily="34" charset="0"/>
-                        <a:ea typeface="Calibri" panose="020F0502020204030204" pitchFamily="34" charset="0"/>
-                        <a:cs typeface="Arial" panose="020B0604020202020204" pitchFamily="34" charset="0"/>
-                      </a:endParaRPr>
-                    </a:p>
-                  </a:txBody>
-                  <a:tcPr marL="68580" marR="68580" marT="0" marB="0"/>
-                </a:tc>
-                <a:extLst>
-                  <a:ext uri="{0D108BD9-81ED-4DB2-BD59-A6C34878D82A}">
-                    <a16:rowId xmlns:a16="http://schemas.microsoft.com/office/drawing/2014/main" val="525833405"/>
-                  </a:ext>
-                </a:extLst>
-              </a:tr>
-              <a:tr h="371325">
-                <a:tc>
-                  <a:txBody>
-                    <a:bodyPr/>
-                    <a:lstStyle/>
-                    <a:p>
-                      <a:pPr algn="ctr">
-                        <a:lnSpc>
-                          <a:spcPct val="107000"/>
-                        </a:lnSpc>
-                        <a:spcAft>
-                          <a:spcPts val="0"/>
-                        </a:spcAft>
-                      </a:pPr>
-                      <a:r>
-                        <a:rPr lang="en-US" sz="1600" b="1">
-                          <a:effectLst/>
-                        </a:rPr>
-                        <a:t>Accuracy</a:t>
-                      </a:r>
-                      <a:endParaRPr lang="en-US" sz="1200" b="1">
-                        <a:effectLst/>
-                        <a:latin typeface="Calibri" panose="020F0502020204030204" pitchFamily="34" charset="0"/>
-                        <a:ea typeface="Calibri" panose="020F0502020204030204" pitchFamily="34" charset="0"/>
-                        <a:cs typeface="Arial" panose="020B0604020202020204" pitchFamily="34" charset="0"/>
-                      </a:endParaRPr>
-                    </a:p>
-                  </a:txBody>
-                  <a:tcPr marL="68580" marR="68580" marT="0" marB="0"/>
-                </a:tc>
-                <a:tc>
-                  <a:txBody>
-                    <a:bodyPr/>
-                    <a:lstStyle/>
-                    <a:p>
-                      <a:pPr algn="ctr">
-                        <a:lnSpc>
-                          <a:spcPct val="107000"/>
-                        </a:lnSpc>
-                        <a:spcAft>
-                          <a:spcPts val="0"/>
-                        </a:spcAft>
-                      </a:pPr>
-                      <a:r>
-                        <a:rPr lang="en-US" sz="1600" b="1">
-                          <a:effectLst/>
-                        </a:rPr>
-                        <a:t>0.7846</a:t>
-                      </a:r>
-                      <a:endParaRPr lang="en-US" sz="1200" b="1">
-                        <a:effectLst/>
-                        <a:latin typeface="Calibri" panose="020F0502020204030204" pitchFamily="34" charset="0"/>
-                        <a:ea typeface="Calibri" panose="020F0502020204030204" pitchFamily="34" charset="0"/>
-                        <a:cs typeface="Arial" panose="020B0604020202020204" pitchFamily="34" charset="0"/>
-                      </a:endParaRPr>
-                    </a:p>
-                  </a:txBody>
-                  <a:tcPr marL="68580" marR="68580" marT="0" marB="0"/>
-                </a:tc>
-                <a:tc>
-                  <a:txBody>
-                    <a:bodyPr/>
-                    <a:lstStyle/>
-                    <a:p>
-                      <a:pPr algn="ctr">
-                        <a:lnSpc>
-                          <a:spcPct val="107000"/>
-                        </a:lnSpc>
-                        <a:spcAft>
-                          <a:spcPts val="0"/>
-                        </a:spcAft>
-                      </a:pPr>
-                      <a:r>
-                        <a:rPr lang="en-US" sz="1600" b="1">
-                          <a:effectLst/>
-                        </a:rPr>
-                        <a:t>0.9860</a:t>
-                      </a:r>
-                      <a:endParaRPr lang="en-US" sz="1200" b="1">
-                        <a:effectLst/>
-                        <a:latin typeface="Calibri" panose="020F0502020204030204" pitchFamily="34" charset="0"/>
-                        <a:ea typeface="Calibri" panose="020F0502020204030204" pitchFamily="34" charset="0"/>
-                        <a:cs typeface="Arial" panose="020B0604020202020204" pitchFamily="34" charset="0"/>
-                      </a:endParaRPr>
-                    </a:p>
-                  </a:txBody>
-                  <a:tcPr marL="68580" marR="68580" marT="0" marB="0"/>
-                </a:tc>
-                <a:tc>
-                  <a:txBody>
-                    <a:bodyPr/>
-                    <a:lstStyle/>
-                    <a:p>
-                      <a:pPr algn="ctr">
-                        <a:lnSpc>
-                          <a:spcPct val="107000"/>
-                        </a:lnSpc>
-                        <a:spcAft>
-                          <a:spcPts val="0"/>
-                        </a:spcAft>
-                      </a:pPr>
-                      <a:r>
-                        <a:rPr lang="en-US" sz="1600" b="1">
-                          <a:effectLst/>
-                        </a:rPr>
-                        <a:t>0.9831</a:t>
-                      </a:r>
-                      <a:endParaRPr lang="en-US" sz="1200" b="1">
-                        <a:effectLst/>
-                        <a:latin typeface="Calibri" panose="020F0502020204030204" pitchFamily="34" charset="0"/>
-                        <a:ea typeface="Calibri" panose="020F0502020204030204" pitchFamily="34" charset="0"/>
-                        <a:cs typeface="Arial" panose="020B0604020202020204" pitchFamily="34" charset="0"/>
-                      </a:endParaRPr>
-                    </a:p>
-                  </a:txBody>
-                  <a:tcPr marL="68580" marR="68580" marT="0" marB="0"/>
-                </a:tc>
-                <a:tc>
-                  <a:txBody>
-                    <a:bodyPr/>
-                    <a:lstStyle/>
-                    <a:p>
-                      <a:pPr algn="ctr">
-                        <a:lnSpc>
-                          <a:spcPct val="107000"/>
-                        </a:lnSpc>
-                        <a:spcAft>
-                          <a:spcPts val="0"/>
-                        </a:spcAft>
-                      </a:pPr>
-                      <a:r>
-                        <a:rPr lang="en-US" sz="1600" b="1">
-                          <a:effectLst/>
-                        </a:rPr>
-                        <a:t>0.9831</a:t>
-                      </a:r>
-                      <a:endParaRPr lang="en-US" sz="1200" b="1">
-                        <a:effectLst/>
-                        <a:latin typeface="Calibri" panose="020F0502020204030204" pitchFamily="34" charset="0"/>
-                        <a:ea typeface="Calibri" panose="020F0502020204030204" pitchFamily="34" charset="0"/>
-                        <a:cs typeface="Arial" panose="020B0604020202020204" pitchFamily="34" charset="0"/>
-                      </a:endParaRPr>
-                    </a:p>
-                  </a:txBody>
-                  <a:tcPr marL="68580" marR="68580" marT="0" marB="0"/>
+                  <a:tcPr marL="68580" marR="68580" marT="0" marB="0" anchor="ctr">
+                    <a:lnT w="28575" cap="flat" cmpd="sng" algn="ctr">
+                      <a:solidFill>
+                        <a:schemeClr val="tx1"/>
+                      </a:solidFill>
+                      <a:prstDash val="solid"/>
+                      <a:round/>
+                      <a:headEnd type="none" w="med" len="med"/>
+                      <a:tailEnd type="none" w="med" len="med"/>
+                    </a:lnT>
+                  </a:tcPr>
                 </a:tc>
                 <a:tc>
                   <a:txBody>
@@ -12769,7 +13188,7 @@
                           </a:solidFill>
                           <a:effectLst/>
                         </a:rPr>
-                        <a:t>0.9895</a:t>
+                        <a:t>0.7911</a:t>
                       </a:r>
                       <a:endParaRPr lang="en-US" sz="1200" b="1" dirty="0">
                         <a:solidFill>
@@ -12782,7 +13201,17 @@
                       </a:endParaRPr>
                     </a:p>
                   </a:txBody>
-                  <a:tcPr marL="68580" marR="68580" marT="0" marB="0"/>
+                  <a:tcPr marL="68580" marR="68580" marT="0" marB="0" anchor="ctr">
+                    <a:lnT w="28575" cap="flat" cmpd="sng" algn="ctr">
+                      <a:solidFill>
+                        <a:schemeClr val="tx1"/>
+                      </a:solidFill>
+                      <a:prstDash val="solid"/>
+                      <a:round/>
+                      <a:headEnd type="none" w="med" len="med"/>
+                      <a:tailEnd type="none" w="med" len="med"/>
+                    </a:lnT>
+                  </a:tcPr>
                 </a:tc>
                 <a:tc>
                   <a:txBody>
@@ -12801,7 +13230,7 @@
                         <a:rPr lang="en-US" sz="1600" b="1">
                           <a:effectLst/>
                         </a:rPr>
-                        <a:t>0.9890</a:t>
+                        <a:t>0.7784</a:t>
                       </a:r>
                       <a:endParaRPr lang="en-US" sz="1200" b="1">
                         <a:effectLst/>
@@ -12811,15 +13240,34 @@
                       </a:endParaRPr>
                     </a:p>
                   </a:txBody>
-                  <a:tcPr marL="68580" marR="68580" marT="0" marB="0"/>
+                  <a:tcPr marL="68580" marR="68580" marT="0" marB="0" anchor="ctr">
+                    <a:lnR w="28575" cap="flat" cmpd="sng" algn="ctr">
+                      <a:solidFill>
+                        <a:schemeClr val="tx1"/>
+                      </a:solidFill>
+                      <a:prstDash val="solid"/>
+                      <a:round/>
+                      <a:headEnd type="none" w="med" len="med"/>
+                      <a:tailEnd type="none" w="med" len="med"/>
+                    </a:lnR>
+                    <a:lnT w="28575" cap="flat" cmpd="sng" algn="ctr">
+                      <a:solidFill>
+                        <a:schemeClr val="tx1"/>
+                      </a:solidFill>
+                      <a:prstDash val="solid"/>
+                      <a:round/>
+                      <a:headEnd type="none" w="med" len="med"/>
+                      <a:tailEnd type="none" w="med" len="med"/>
+                    </a:lnT>
+                  </a:tcPr>
                 </a:tc>
                 <a:extLst>
                   <a:ext uri="{0D108BD9-81ED-4DB2-BD59-A6C34878D82A}">
-                    <a16:rowId xmlns:a16="http://schemas.microsoft.com/office/drawing/2014/main" val="3962110046"/>
+                    <a16:rowId xmlns:a16="http://schemas.microsoft.com/office/drawing/2014/main" val="1035956707"/>
                   </a:ext>
                 </a:extLst>
               </a:tr>
-              <a:tr h="430480">
+              <a:tr h="329783">
                 <a:tc>
                   <a:txBody>
                     <a:bodyPr/>
@@ -12847,7 +13295,94 @@
                       </a:endParaRPr>
                     </a:p>
                   </a:txBody>
-                  <a:tcPr marL="68580" marR="68580" marT="0" marB="0"/>
+                  <a:tcPr marL="68580" marR="68580" marT="0" marB="0" anchor="ctr">
+                    <a:lnL w="28575" cap="flat" cmpd="sng" algn="ctr">
+                      <a:solidFill>
+                        <a:schemeClr val="tx1"/>
+                      </a:solidFill>
+                      <a:prstDash val="solid"/>
+                      <a:round/>
+                      <a:headEnd type="none" w="med" len="med"/>
+                      <a:tailEnd type="none" w="med" len="med"/>
+                    </a:lnL>
+                    <a:lnR w="28575" cap="flat" cmpd="sng" algn="ctr">
+                      <a:solidFill>
+                        <a:schemeClr val="tx1"/>
+                      </a:solidFill>
+                      <a:prstDash val="solid"/>
+                      <a:round/>
+                      <a:headEnd type="none" w="med" len="med"/>
+                      <a:tailEnd type="none" w="med" len="med"/>
+                    </a:lnR>
+                  </a:tcPr>
+                </a:tc>
+                <a:tc>
+                  <a:txBody>
+                    <a:bodyPr/>
+                    <a:lstStyle/>
+                    <a:p>
+                      <a:pPr algn="ctr">
+                        <a:lnSpc>
+                          <a:spcPct val="107000"/>
+                        </a:lnSpc>
+                        <a:spcAft>
+                          <a:spcPts val="0"/>
+                        </a:spcAft>
+                      </a:pPr>
+                      <a:r>
+                        <a:rPr lang="en-US" sz="1600" b="1" dirty="0">
+                          <a:effectLst/>
+                        </a:rPr>
+                        <a:t>0.4808</a:t>
+                      </a:r>
+                      <a:endParaRPr lang="en-US" sz="1200" b="1" dirty="0">
+                        <a:effectLst/>
+                        <a:latin typeface="Calibri" panose="020F0502020204030204" pitchFamily="34" charset="0"/>
+                        <a:ea typeface="Calibri" panose="020F0502020204030204" pitchFamily="34" charset="0"/>
+                        <a:cs typeface="Arial" panose="020B0604020202020204" pitchFamily="34" charset="0"/>
+                      </a:endParaRPr>
+                    </a:p>
+                  </a:txBody>
+                  <a:tcPr marL="68580" marR="68580" marT="0" marB="0" anchor="ctr">
+                    <a:lnL w="28575" cap="flat" cmpd="sng" algn="ctr">
+                      <a:solidFill>
+                        <a:schemeClr val="tx1"/>
+                      </a:solidFill>
+                      <a:prstDash val="solid"/>
+                      <a:round/>
+                      <a:headEnd type="none" w="med" len="med"/>
+                      <a:tailEnd type="none" w="med" len="med"/>
+                    </a:lnL>
+                  </a:tcPr>
+                </a:tc>
+                <a:tc>
+                  <a:txBody>
+                    <a:bodyPr/>
+                    <a:lstStyle/>
+                    <a:p>
+                      <a:pPr algn="ctr">
+                        <a:lnSpc>
+                          <a:spcPct val="107000"/>
+                        </a:lnSpc>
+                        <a:spcAft>
+                          <a:spcPts val="0"/>
+                        </a:spcAft>
+                      </a:pPr>
+                      <a:r>
+                        <a:rPr lang="en-US" sz="1600" b="1" dirty="0">
+                          <a:effectLst/>
+                        </a:rPr>
+                        <a:t>24.2034</a:t>
+                      </a:r>
+                      <a:endParaRPr lang="en-US" sz="1200" b="1" dirty="0">
+                        <a:effectLst/>
+                        <a:latin typeface="Calibri" panose="020F0502020204030204" pitchFamily="34" charset="0"/>
+                        <a:ea typeface="Calibri" panose="020F0502020204030204" pitchFamily="34" charset="0"/>
+                        <a:cs typeface="Arial" panose="020B0604020202020204" pitchFamily="34" charset="0"/>
+                      </a:endParaRPr>
+                    </a:p>
+                  </a:txBody>
+                  <a:tcPr marL="68580" marR="68580" marT="0" marB="0" anchor="ctr"/>
                 </a:tc>
                 <a:tc>
                   <a:txBody>
@@ -12866,7 +13401,7 @@
                         <a:rPr lang="en-US" sz="1600" b="1">
                           <a:effectLst/>
                         </a:rPr>
-                        <a:t>0.4826</a:t>
+                        <a:t>9.9748</a:t>
                       </a:r>
                       <a:endParaRPr lang="en-US" sz="1200" b="1">
                         <a:effectLst/>
@@ -12876,7 +13411,7 @@
                       </a:endParaRPr>
                     </a:p>
                   </a:txBody>
-                  <a:tcPr marL="68580" marR="68580" marT="0" marB="0"/>
+                  <a:tcPr marL="68580" marR="68580" marT="0" marB="0" anchor="ctr"/>
                 </a:tc>
                 <a:tc>
                   <a:txBody>
@@ -12895,7 +13430,7 @@
                         <a:rPr lang="en-US" sz="1600" b="1">
                           <a:effectLst/>
                         </a:rPr>
-                        <a:t>0.0905</a:t>
+                        <a:t>0.4828</a:t>
                       </a:r>
                       <a:endParaRPr lang="en-US" sz="1200" b="1">
                         <a:effectLst/>
@@ -12905,7 +13440,42 @@
                       </a:endParaRPr>
                     </a:p>
                   </a:txBody>
-                  <a:tcPr marL="68580" marR="68580" marT="0" marB="0"/>
+                  <a:tcPr marL="68580" marR="68580" marT="0" marB="0" anchor="ctr"/>
+                </a:tc>
+                <a:tc>
+                  <a:txBody>
+                    <a:bodyPr/>
+                    <a:lstStyle/>
+                    <a:p>
+                      <a:pPr algn="ctr">
+                        <a:lnSpc>
+                          <a:spcPct val="107000"/>
+                        </a:lnSpc>
+                        <a:spcAft>
+                          <a:spcPts val="0"/>
+                        </a:spcAft>
+                      </a:pPr>
+                      <a:r>
+                        <a:rPr lang="en-US" sz="1600" b="1">
+                          <a:solidFill>
+                            <a:srgbClr val="FF0000"/>
+                          </a:solidFill>
+                          <a:effectLst/>
+                        </a:rPr>
+                        <a:t>0.4502</a:t>
+                      </a:r>
+                      <a:endParaRPr lang="en-US" sz="1200" b="1">
+                        <a:solidFill>
+                          <a:srgbClr val="FF0000"/>
+                        </a:solidFill>
+                        <a:effectLst/>
+                        <a:latin typeface="Calibri" panose="020F0502020204030204" pitchFamily="34" charset="0"/>
+                        <a:ea typeface="Calibri" panose="020F0502020204030204" pitchFamily="34" charset="0"/>
+                        <a:cs typeface="Arial" panose="020B0604020202020204" pitchFamily="34" charset="0"/>
+                      </a:endParaRPr>
+                    </a:p>
+                  </a:txBody>
+                  <a:tcPr marL="68580" marR="68580" marT="0" marB="0" anchor="ctr"/>
                 </a:tc>
                 <a:tc>
                   <a:txBody>
@@ -12924,7 +13494,7 @@
                         <a:rPr lang="en-US" sz="1600" b="1">
                           <a:effectLst/>
                         </a:rPr>
-                        <a:t>0.5704</a:t>
+                        <a:t>0.5179</a:t>
                       </a:r>
                       <a:endParaRPr lang="en-US" sz="1200" b="1">
                         <a:effectLst/>
@@ -12934,7 +13504,169 @@
                       </a:endParaRPr>
                     </a:p>
                   </a:txBody>
-                  <a:tcPr marL="68580" marR="68580" marT="0" marB="0"/>
+                  <a:tcPr marL="68580" marR="68580" marT="0" marB="0" anchor="ctr">
+                    <a:lnR w="28575" cap="flat" cmpd="sng" algn="ctr">
+                      <a:solidFill>
+                        <a:schemeClr val="tx1"/>
+                      </a:solidFill>
+                      <a:prstDash val="solid"/>
+                      <a:round/>
+                      <a:headEnd type="none" w="med" len="med"/>
+                      <a:tailEnd type="none" w="med" len="med"/>
+                    </a:lnR>
+                  </a:tcPr>
+                </a:tc>
+                <a:extLst>
+                  <a:ext uri="{0D108BD9-81ED-4DB2-BD59-A6C34878D82A}">
+                    <a16:rowId xmlns:a16="http://schemas.microsoft.com/office/drawing/2014/main" val="3396369690"/>
+                  </a:ext>
+                </a:extLst>
+              </a:tr>
+              <a:tr h="404904">
+                <a:tc>
+                  <a:txBody>
+                    <a:bodyPr/>
+                    <a:lstStyle/>
+                    <a:p>
+                      <a:pPr algn="ctr">
+                        <a:lnSpc>
+                          <a:spcPct val="107000"/>
+                        </a:lnSpc>
+                        <a:spcAft>
+                          <a:spcPts val="0"/>
+                        </a:spcAft>
+                      </a:pPr>
+                      <a:r>
+                        <a:rPr lang="en-US" sz="1600" b="1" dirty="0" err="1">
+                          <a:effectLst/>
+                        </a:rPr>
+                        <a:t>Tp</a:t>
+                      </a:r>
+                      <a:endParaRPr lang="en-US" sz="1200" b="1" dirty="0">
+                        <a:effectLst/>
+                        <a:latin typeface="Calibri" panose="020F0502020204030204" pitchFamily="34" charset="0"/>
+                        <a:ea typeface="Calibri" panose="020F0502020204030204" pitchFamily="34" charset="0"/>
+                        <a:cs typeface="Arial" panose="020B0604020202020204" pitchFamily="34" charset="0"/>
+                      </a:endParaRPr>
+                    </a:p>
+                  </a:txBody>
+                  <a:tcPr marL="68580" marR="68580" marT="0" marB="0" anchor="ctr">
+                    <a:lnL w="28575" cap="flat" cmpd="sng" algn="ctr">
+                      <a:solidFill>
+                        <a:schemeClr val="tx1"/>
+                      </a:solidFill>
+                      <a:prstDash val="solid"/>
+                      <a:round/>
+                      <a:headEnd type="none" w="med" len="med"/>
+                      <a:tailEnd type="none" w="med" len="med"/>
+                    </a:lnL>
+                    <a:lnR w="28575" cap="flat" cmpd="sng" algn="ctr">
+                      <a:solidFill>
+                        <a:schemeClr val="tx1"/>
+                      </a:solidFill>
+                      <a:prstDash val="solid"/>
+                      <a:round/>
+                      <a:headEnd type="none" w="med" len="med"/>
+                      <a:tailEnd type="none" w="med" len="med"/>
+                    </a:lnR>
+                  </a:tcPr>
+                </a:tc>
+                <a:tc>
+                  <a:txBody>
+                    <a:bodyPr/>
+                    <a:lstStyle/>
+                    <a:p>
+                      <a:pPr algn="ctr">
+                        <a:lnSpc>
+                          <a:spcPct val="107000"/>
+                        </a:lnSpc>
+                        <a:spcAft>
+                          <a:spcPts val="0"/>
+                        </a:spcAft>
+                      </a:pPr>
+                      <a:r>
+                        <a:rPr lang="en-US" sz="1600" b="1" dirty="0">
+                          <a:effectLst/>
+                        </a:rPr>
+                        <a:t>6715</a:t>
+                      </a:r>
+                      <a:endParaRPr lang="en-US" sz="1200" b="1" dirty="0">
+                        <a:effectLst/>
+                        <a:latin typeface="Calibri" panose="020F0502020204030204" pitchFamily="34" charset="0"/>
+                        <a:ea typeface="Calibri" panose="020F0502020204030204" pitchFamily="34" charset="0"/>
+                        <a:cs typeface="Arial" panose="020B0604020202020204" pitchFamily="34" charset="0"/>
+                      </a:endParaRPr>
+                    </a:p>
+                  </a:txBody>
+                  <a:tcPr marL="68580" marR="68580" marT="0" marB="0" anchor="ctr">
+                    <a:lnL w="28575" cap="flat" cmpd="sng" algn="ctr">
+                      <a:solidFill>
+                        <a:schemeClr val="tx1"/>
+                      </a:solidFill>
+                      <a:prstDash val="solid"/>
+                      <a:round/>
+                      <a:headEnd type="none" w="med" len="med"/>
+                      <a:tailEnd type="none" w="med" len="med"/>
+                    </a:lnL>
+                  </a:tcPr>
+                </a:tc>
+                <a:tc>
+                  <a:txBody>
+                    <a:bodyPr/>
+                    <a:lstStyle/>
+                    <a:p>
+                      <a:pPr algn="ctr">
+                        <a:lnSpc>
+                          <a:spcPct val="107000"/>
+                        </a:lnSpc>
+                        <a:spcAft>
+                          <a:spcPts val="0"/>
+                        </a:spcAft>
+                      </a:pPr>
+                      <a:r>
+                        <a:rPr lang="en-US" sz="1600" b="1" dirty="0">
+                          <a:effectLst/>
+                        </a:rPr>
+                        <a:t>7581</a:t>
+                      </a:r>
+                      <a:endParaRPr lang="en-US" sz="1200" b="1" dirty="0">
+                        <a:effectLst/>
+                        <a:latin typeface="Calibri" panose="020F0502020204030204" pitchFamily="34" charset="0"/>
+                        <a:ea typeface="Calibri" panose="020F0502020204030204" pitchFamily="34" charset="0"/>
+                        <a:cs typeface="Arial" panose="020B0604020202020204" pitchFamily="34" charset="0"/>
+                      </a:endParaRPr>
+                    </a:p>
+                  </a:txBody>
+                  <a:tcPr marL="68580" marR="68580" marT="0" marB="0" anchor="ctr"/>
+                </a:tc>
+                <a:tc>
+                  <a:txBody>
+                    <a:bodyPr/>
+                    <a:lstStyle/>
+                    <a:p>
+                      <a:pPr algn="ctr">
+                        <a:lnSpc>
+                          <a:spcPct val="107000"/>
+                        </a:lnSpc>
+                        <a:spcAft>
+                          <a:spcPts val="0"/>
+                        </a:spcAft>
+                      </a:pPr>
+                      <a:r>
+                        <a:rPr lang="en-US" sz="1600" b="1" dirty="0">
+                          <a:effectLst/>
+                        </a:rPr>
+                        <a:t>10313</a:t>
+                      </a:r>
+                      <a:endParaRPr lang="en-US" sz="1200" b="1" dirty="0">
+                        <a:effectLst/>
+                        <a:latin typeface="Calibri" panose="020F0502020204030204" pitchFamily="34" charset="0"/>
+                        <a:ea typeface="Calibri" panose="020F0502020204030204" pitchFamily="34" charset="0"/>
+                        <a:cs typeface="Arial" panose="020B0604020202020204" pitchFamily="34" charset="0"/>
+                      </a:endParaRPr>
+                    </a:p>
+                  </a:txBody>
+                  <a:tcPr marL="68580" marR="68580" marT="0" marB="0" anchor="ctr"/>
                 </a:tc>
                 <a:tc>
                   <a:txBody>
@@ -12953,7 +13685,7 @@
                         <a:rPr lang="en-US" sz="1600" b="1">
                           <a:effectLst/>
                         </a:rPr>
-                        <a:t>0.0579</a:t>
+                        <a:t>8751</a:t>
                       </a:r>
                       <a:endParaRPr lang="en-US" sz="1200" b="1">
                         <a:effectLst/>
@@ -12963,7 +13695,262 @@
                       </a:endParaRPr>
                     </a:p>
                   </a:txBody>
-                  <a:tcPr marL="68580" marR="68580" marT="0" marB="0"/>
+                  <a:tcPr marL="68580" marR="68580" marT="0" marB="0" anchor="ctr"/>
+                </a:tc>
+                <a:tc>
+                  <a:txBody>
+                    <a:bodyPr/>
+                    <a:lstStyle/>
+                    <a:p>
+                      <a:pPr algn="ctr">
+                        <a:lnSpc>
+                          <a:spcPct val="107000"/>
+                        </a:lnSpc>
+                        <a:spcAft>
+                          <a:spcPts val="0"/>
+                        </a:spcAft>
+                      </a:pPr>
+                      <a:r>
+                        <a:rPr lang="en-US" sz="1600" b="1">
+                          <a:solidFill>
+                            <a:srgbClr val="FF0000"/>
+                          </a:solidFill>
+                          <a:effectLst/>
+                        </a:rPr>
+                        <a:t>7320</a:t>
+                      </a:r>
+                      <a:endParaRPr lang="en-US" sz="1200" b="1">
+                        <a:solidFill>
+                          <a:srgbClr val="FF0000"/>
+                        </a:solidFill>
+                        <a:effectLst/>
+                        <a:latin typeface="Calibri" panose="020F0502020204030204" pitchFamily="34" charset="0"/>
+                        <a:ea typeface="Calibri" panose="020F0502020204030204" pitchFamily="34" charset="0"/>
+                        <a:cs typeface="Arial" panose="020B0604020202020204" pitchFamily="34" charset="0"/>
+                      </a:endParaRPr>
+                    </a:p>
+                  </a:txBody>
+                  <a:tcPr marL="68580" marR="68580" marT="0" marB="0" anchor="ctr"/>
+                </a:tc>
+                <a:tc>
+                  <a:txBody>
+                    <a:bodyPr/>
+                    <a:lstStyle/>
+                    <a:p>
+                      <a:pPr algn="ctr">
+                        <a:lnSpc>
+                          <a:spcPct val="107000"/>
+                        </a:lnSpc>
+                        <a:spcAft>
+                          <a:spcPts val="0"/>
+                        </a:spcAft>
+                      </a:pPr>
+                      <a:r>
+                        <a:rPr lang="en-US" sz="1600" b="1">
+                          <a:effectLst/>
+                        </a:rPr>
+                        <a:t>5460</a:t>
+                      </a:r>
+                      <a:endParaRPr lang="en-US" sz="1200" b="1">
+                        <a:effectLst/>
+                        <a:latin typeface="Calibri" panose="020F0502020204030204" pitchFamily="34" charset="0"/>
+                        <a:ea typeface="Calibri" panose="020F0502020204030204" pitchFamily="34" charset="0"/>
+                        <a:cs typeface="Arial" panose="020B0604020202020204" pitchFamily="34" charset="0"/>
+                      </a:endParaRPr>
+                    </a:p>
+                  </a:txBody>
+                  <a:tcPr marL="68580" marR="68580" marT="0" marB="0" anchor="ctr">
+                    <a:lnR w="28575" cap="flat" cmpd="sng" algn="ctr">
+                      <a:solidFill>
+                        <a:schemeClr val="tx1"/>
+                      </a:solidFill>
+                      <a:prstDash val="solid"/>
+                      <a:round/>
+                      <a:headEnd type="none" w="med" len="med"/>
+                      <a:tailEnd type="none" w="med" len="med"/>
+                    </a:lnR>
+                  </a:tcPr>
+                </a:tc>
+                <a:extLst>
+                  <a:ext uri="{0D108BD9-81ED-4DB2-BD59-A6C34878D82A}">
+                    <a16:rowId xmlns:a16="http://schemas.microsoft.com/office/drawing/2014/main" val="3349973443"/>
+                  </a:ext>
+                </a:extLst>
+              </a:tr>
+              <a:tr h="404904">
+                <a:tc>
+                  <a:txBody>
+                    <a:bodyPr/>
+                    <a:lstStyle/>
+                    <a:p>
+                      <a:pPr algn="ctr">
+                        <a:lnSpc>
+                          <a:spcPct val="107000"/>
+                        </a:lnSpc>
+                        <a:spcAft>
+                          <a:spcPts val="0"/>
+                        </a:spcAft>
+                      </a:pPr>
+                      <a:r>
+                        <a:rPr lang="en-US" sz="1600" b="1" dirty="0" err="1">
+                          <a:effectLst/>
+                        </a:rPr>
+                        <a:t>Tn</a:t>
+                      </a:r>
+                      <a:endParaRPr lang="en-US" sz="1200" b="1" dirty="0">
+                        <a:effectLst/>
+                        <a:latin typeface="Calibri" panose="020F0502020204030204" pitchFamily="34" charset="0"/>
+                        <a:ea typeface="Calibri" panose="020F0502020204030204" pitchFamily="34" charset="0"/>
+                        <a:cs typeface="Arial" panose="020B0604020202020204" pitchFamily="34" charset="0"/>
+                      </a:endParaRPr>
+                    </a:p>
+                  </a:txBody>
+                  <a:tcPr marL="68580" marR="68580" marT="0" marB="0" anchor="ctr">
+                    <a:lnL w="28575" cap="flat" cmpd="sng" algn="ctr">
+                      <a:solidFill>
+                        <a:schemeClr val="tx1"/>
+                      </a:solidFill>
+                      <a:prstDash val="solid"/>
+                      <a:round/>
+                      <a:headEnd type="none" w="med" len="med"/>
+                      <a:tailEnd type="none" w="med" len="med"/>
+                    </a:lnL>
+                    <a:lnR w="28575" cap="flat" cmpd="sng" algn="ctr">
+                      <a:solidFill>
+                        <a:schemeClr val="tx1"/>
+                      </a:solidFill>
+                      <a:prstDash val="solid"/>
+                      <a:round/>
+                      <a:headEnd type="none" w="med" len="med"/>
+                      <a:tailEnd type="none" w="med" len="med"/>
+                    </a:lnR>
+                  </a:tcPr>
+                </a:tc>
+                <a:tc>
+                  <a:txBody>
+                    <a:bodyPr/>
+                    <a:lstStyle/>
+                    <a:p>
+                      <a:pPr algn="ctr">
+                        <a:lnSpc>
+                          <a:spcPct val="107000"/>
+                        </a:lnSpc>
+                        <a:spcAft>
+                          <a:spcPts val="0"/>
+                        </a:spcAft>
+                      </a:pPr>
+                      <a:r>
+                        <a:rPr lang="en-US" sz="1600" b="1">
+                          <a:effectLst/>
+                        </a:rPr>
+                        <a:t>43699</a:t>
+                      </a:r>
+                      <a:endParaRPr lang="en-US" sz="1200" b="1">
+                        <a:effectLst/>
+                        <a:latin typeface="Calibri" panose="020F0502020204030204" pitchFamily="34" charset="0"/>
+                        <a:ea typeface="Calibri" panose="020F0502020204030204" pitchFamily="34" charset="0"/>
+                        <a:cs typeface="Arial" panose="020B0604020202020204" pitchFamily="34" charset="0"/>
+                      </a:endParaRPr>
+                    </a:p>
+                  </a:txBody>
+                  <a:tcPr marL="68580" marR="68580" marT="0" marB="0" anchor="ctr">
+                    <a:lnL w="28575" cap="flat" cmpd="sng" algn="ctr">
+                      <a:solidFill>
+                        <a:schemeClr val="tx1"/>
+                      </a:solidFill>
+                      <a:prstDash val="solid"/>
+                      <a:round/>
+                      <a:headEnd type="none" w="med" len="med"/>
+                      <a:tailEnd type="none" w="med" len="med"/>
+                    </a:lnL>
+                  </a:tcPr>
+                </a:tc>
+                <a:tc>
+                  <a:txBody>
+                    <a:bodyPr/>
+                    <a:lstStyle/>
+                    <a:p>
+                      <a:pPr algn="ctr">
+                        <a:lnSpc>
+                          <a:spcPct val="107000"/>
+                        </a:lnSpc>
+                        <a:spcAft>
+                          <a:spcPts val="0"/>
+                        </a:spcAft>
+                      </a:pPr>
+                      <a:r>
+                        <a:rPr lang="en-US" sz="1600" b="1">
+                          <a:effectLst/>
+                        </a:rPr>
+                        <a:t>40638</a:t>
+                      </a:r>
+                      <a:endParaRPr lang="en-US" sz="1200" b="1">
+                        <a:effectLst/>
+                        <a:latin typeface="Calibri" panose="020F0502020204030204" pitchFamily="34" charset="0"/>
+                        <a:ea typeface="Calibri" panose="020F0502020204030204" pitchFamily="34" charset="0"/>
+                        <a:cs typeface="Arial" panose="020B0604020202020204" pitchFamily="34" charset="0"/>
+                      </a:endParaRPr>
+                    </a:p>
+                  </a:txBody>
+                  <a:tcPr marL="68580" marR="68580" marT="0" marB="0" anchor="ctr"/>
+                </a:tc>
+                <a:tc>
+                  <a:txBody>
+                    <a:bodyPr/>
+                    <a:lstStyle/>
+                    <a:p>
+                      <a:pPr algn="ctr">
+                        <a:lnSpc>
+                          <a:spcPct val="107000"/>
+                        </a:lnSpc>
+                        <a:spcAft>
+                          <a:spcPts val="0"/>
+                        </a:spcAft>
+                      </a:pPr>
+                      <a:r>
+                        <a:rPr lang="en-US" sz="1600" b="1" dirty="0">
+                          <a:effectLst/>
+                        </a:rPr>
+                        <a:t>35370</a:t>
+                      </a:r>
+                      <a:endParaRPr lang="en-US" sz="1200" b="1" dirty="0">
+                        <a:effectLst/>
+                        <a:latin typeface="Calibri" panose="020F0502020204030204" pitchFamily="34" charset="0"/>
+                        <a:ea typeface="Calibri" panose="020F0502020204030204" pitchFamily="34" charset="0"/>
+                        <a:cs typeface="Arial" panose="020B0604020202020204" pitchFamily="34" charset="0"/>
+                      </a:endParaRPr>
+                    </a:p>
+                  </a:txBody>
+                  <a:tcPr marL="68580" marR="68580" marT="0" marB="0" anchor="ctr"/>
+                </a:tc>
+                <a:tc>
+                  <a:txBody>
+                    <a:bodyPr/>
+                    <a:lstStyle/>
+                    <a:p>
+                      <a:pPr algn="ctr">
+                        <a:lnSpc>
+                          <a:spcPct val="107000"/>
+                        </a:lnSpc>
+                        <a:spcAft>
+                          <a:spcPts val="0"/>
+                        </a:spcAft>
+                      </a:pPr>
+                      <a:r>
+                        <a:rPr lang="en-US" sz="1600" b="1" dirty="0">
+                          <a:effectLst/>
+                        </a:rPr>
+                        <a:t>41681</a:t>
+                      </a:r>
+                      <a:endParaRPr lang="en-US" sz="1200" b="1" dirty="0">
+                        <a:effectLst/>
+                        <a:latin typeface="Calibri" panose="020F0502020204030204" pitchFamily="34" charset="0"/>
+                        <a:ea typeface="Calibri" panose="020F0502020204030204" pitchFamily="34" charset="0"/>
+                        <a:cs typeface="Arial" panose="020B0604020202020204" pitchFamily="34" charset="0"/>
+                      </a:endParaRPr>
+                    </a:p>
+                  </a:txBody>
+                  <a:tcPr marL="68580" marR="68580" marT="0" marB="0" anchor="ctr"/>
                 </a:tc>
                 <a:tc>
                   <a:txBody>
@@ -12985,7 +13972,7 @@
                           </a:solidFill>
                           <a:effectLst/>
                         </a:rPr>
-                        <a:t>0.0350</a:t>
+                        <a:t>43503</a:t>
                       </a:r>
                       <a:endParaRPr lang="en-US" sz="1200" b="1" dirty="0">
                         <a:solidFill>
@@ -12998,7 +13985,7 @@
                       </a:endParaRPr>
                     </a:p>
                   </a:txBody>
-                  <a:tcPr marL="68580" marR="68580" marT="0" marB="0"/>
+                  <a:tcPr marL="68580" marR="68580" marT="0" marB="0" anchor="ctr"/>
                 </a:tc>
                 <a:tc>
                   <a:txBody>
@@ -13017,7 +14004,7 @@
                         <a:rPr lang="en-US" sz="1600" b="1">
                           <a:effectLst/>
                         </a:rPr>
-                        <a:t>0.0432</a:t>
+                        <a:t>44550</a:t>
                       </a:r>
                       <a:endParaRPr lang="en-US" sz="1200" b="1">
                         <a:effectLst/>
@@ -13027,15 +14014,25 @@
                       </a:endParaRPr>
                     </a:p>
                   </a:txBody>
-                  <a:tcPr marL="68580" marR="68580" marT="0" marB="0"/>
+                  <a:tcPr marL="68580" marR="68580" marT="0" marB="0" anchor="ctr">
+                    <a:lnR w="28575" cap="flat" cmpd="sng" algn="ctr">
+                      <a:solidFill>
+                        <a:schemeClr val="tx1"/>
+                      </a:solidFill>
+                      <a:prstDash val="solid"/>
+                      <a:round/>
+                      <a:headEnd type="none" w="med" len="med"/>
+                      <a:tailEnd type="none" w="med" len="med"/>
+                    </a:lnR>
+                  </a:tcPr>
                 </a:tc>
                 <a:extLst>
                   <a:ext uri="{0D108BD9-81ED-4DB2-BD59-A6C34878D82A}">
-                    <a16:rowId xmlns:a16="http://schemas.microsoft.com/office/drawing/2014/main" val="1795350687"/>
+                    <a16:rowId xmlns:a16="http://schemas.microsoft.com/office/drawing/2014/main" val="622083219"/>
                   </a:ext>
                 </a:extLst>
               </a:tr>
-              <a:tr h="423580">
+              <a:tr h="404904">
                 <a:tc>
                   <a:txBody>
                     <a:bodyPr/>
@@ -13050,12 +14047,12 @@
                         </a:spcAft>
                       </a:pPr>
                       <a:r>
-                        <a:rPr lang="en-US" sz="1600" b="1">
+                        <a:rPr lang="en-US" sz="1600" b="1" dirty="0" err="1">
                           <a:effectLst/>
                         </a:rPr>
-                        <a:t>Tp</a:t>
+                        <a:t>Fp</a:t>
                       </a:r>
-                      <a:endParaRPr lang="en-US" sz="1200" b="1">
+                      <a:endParaRPr lang="en-US" sz="1200" b="1" dirty="0">
                         <a:effectLst/>
                         <a:latin typeface="Calibri" panose="020F0502020204030204" pitchFamily="34" charset="0"/>
                         <a:ea typeface="Calibri" panose="020F0502020204030204" pitchFamily="34" charset="0"/>
@@ -13063,36 +14060,26 @@
                       </a:endParaRPr>
                     </a:p>
                   </a:txBody>
-                  <a:tcPr marL="68580" marR="68580" marT="0" marB="0"/>
-                </a:tc>
-                <a:tc>
-                  <a:txBody>
-                    <a:bodyPr/>
-                    <a:lstStyle/>
-                    <a:p>
-                      <a:pPr algn="ctr">
-                        <a:lnSpc>
-                          <a:spcPct val="107000"/>
-                        </a:lnSpc>
-                        <a:spcAft>
-                          <a:spcPts val="0"/>
-                        </a:spcAft>
-                      </a:pPr>
-                      <a:r>
-                        <a:rPr lang="en-US" sz="1600" b="1">
-                          <a:effectLst/>
-                        </a:rPr>
-                        <a:t>6785</a:t>
-                      </a:r>
-                      <a:endParaRPr lang="en-US" sz="1200" b="1">
-                        <a:effectLst/>
-                        <a:latin typeface="Calibri" panose="020F0502020204030204" pitchFamily="34" charset="0"/>
-                        <a:ea typeface="Calibri" panose="020F0502020204030204" pitchFamily="34" charset="0"/>
-                        <a:cs typeface="Arial" panose="020B0604020202020204" pitchFamily="34" charset="0"/>
-                      </a:endParaRPr>
-                    </a:p>
-                  </a:txBody>
-                  <a:tcPr marL="68580" marR="68580" marT="0" marB="0"/>
+                  <a:tcPr marL="68580" marR="68580" marT="0" marB="0" anchor="ctr">
+                    <a:lnL w="28575" cap="flat" cmpd="sng" algn="ctr">
+                      <a:solidFill>
+                        <a:schemeClr val="tx1"/>
+                      </a:solidFill>
+                      <a:prstDash val="solid"/>
+                      <a:round/>
+                      <a:headEnd type="none" w="med" len="med"/>
+                      <a:tailEnd type="none" w="med" len="med"/>
+                    </a:lnL>
+                    <a:lnR w="28575" cap="flat" cmpd="sng" algn="ctr">
+                      <a:solidFill>
+                        <a:schemeClr val="tx1"/>
+                      </a:solidFill>
+                      <a:prstDash val="solid"/>
+                      <a:round/>
+                      <a:headEnd type="none" w="med" len="med"/>
+                      <a:tailEnd type="none" w="med" len="med"/>
+                    </a:lnR>
+                  </a:tcPr>
                 </a:tc>
                 <a:tc>
                   <a:txBody>
@@ -13111,7 +14098,7 @@
                         <a:rPr lang="en-US" sz="1600" b="1" dirty="0">
                           <a:effectLst/>
                         </a:rPr>
-                        <a:t>18924</a:t>
+                        <a:t>1319</a:t>
                       </a:r>
                       <a:endParaRPr lang="en-US" sz="1200" b="1" dirty="0">
                         <a:effectLst/>
@@ -13121,7 +14108,17 @@
                       </a:endParaRPr>
                     </a:p>
                   </a:txBody>
-                  <a:tcPr marL="68580" marR="68580" marT="0" marB="0"/>
+                  <a:tcPr marL="68580" marR="68580" marT="0" marB="0" anchor="ctr">
+                    <a:lnL w="28575" cap="flat" cmpd="sng" algn="ctr">
+                      <a:solidFill>
+                        <a:schemeClr val="tx1"/>
+                      </a:solidFill>
+                      <a:prstDash val="solid"/>
+                      <a:round/>
+                      <a:headEnd type="none" w="med" len="med"/>
+                      <a:tailEnd type="none" w="med" len="med"/>
+                    </a:lnL>
+                  </a:tcPr>
                 </a:tc>
                 <a:tc>
                   <a:txBody>
@@ -13137,12 +14134,12 @@
                         </a:spcAft>
                       </a:pPr>
                       <a:r>
-                        <a:rPr lang="en-US" sz="1600" b="1">
+                        <a:rPr lang="en-US" sz="1600" b="1" dirty="0">
                           <a:effectLst/>
                         </a:rPr>
-                        <a:t>18644</a:t>
+                        <a:t>4380</a:t>
                       </a:r>
-                      <a:endParaRPr lang="en-US" sz="1200" b="1">
+                      <a:endParaRPr lang="en-US" sz="1200" b="1" dirty="0">
                         <a:effectLst/>
                         <a:latin typeface="Calibri" panose="020F0502020204030204" pitchFamily="34" charset="0"/>
                         <a:ea typeface="Calibri" panose="020F0502020204030204" pitchFamily="34" charset="0"/>
@@ -13150,7 +14147,7 @@
                       </a:endParaRPr>
                     </a:p>
                   </a:txBody>
-                  <a:tcPr marL="68580" marR="68580" marT="0" marB="0"/>
+                  <a:tcPr marL="68580" marR="68580" marT="0" marB="0" anchor="ctr"/>
                 </a:tc>
                 <a:tc>
                   <a:txBody>
@@ -13166,12 +14163,12 @@
                         </a:spcAft>
                       </a:pPr>
                       <a:r>
-                        <a:rPr lang="en-US" sz="1600" b="1">
+                        <a:rPr lang="en-US" sz="1600" b="1" dirty="0">
                           <a:effectLst/>
                         </a:rPr>
-                        <a:t>18644</a:t>
+                        <a:t>9648</a:t>
                       </a:r>
-                      <a:endParaRPr lang="en-US" sz="1200" b="1">
+                      <a:endParaRPr lang="en-US" sz="1200" b="1" dirty="0">
                         <a:effectLst/>
                         <a:latin typeface="Calibri" panose="020F0502020204030204" pitchFamily="34" charset="0"/>
                         <a:ea typeface="Calibri" panose="020F0502020204030204" pitchFamily="34" charset="0"/>
@@ -13179,7 +14176,36 @@
                       </a:endParaRPr>
                     </a:p>
                   </a:txBody>
-                  <a:tcPr marL="68580" marR="68580" marT="0" marB="0"/>
+                  <a:tcPr marL="68580" marR="68580" marT="0" marB="0" anchor="ctr"/>
+                </a:tc>
+                <a:tc>
+                  <a:txBody>
+                    <a:bodyPr/>
+                    <a:lstStyle/>
+                    <a:p>
+                      <a:pPr algn="ctr">
+                        <a:lnSpc>
+                          <a:spcPct val="107000"/>
+                        </a:lnSpc>
+                        <a:spcAft>
+                          <a:spcPts val="0"/>
+                        </a:spcAft>
+                      </a:pPr>
+                      <a:r>
+                        <a:rPr lang="en-US" sz="1600" b="1" dirty="0">
+                          <a:effectLst/>
+                        </a:rPr>
+                        <a:t>3337</a:t>
+                      </a:r>
+                      <a:endParaRPr lang="en-US" sz="1200" b="1" dirty="0">
+                        <a:effectLst/>
+                        <a:latin typeface="Calibri" panose="020F0502020204030204" pitchFamily="34" charset="0"/>
+                        <a:ea typeface="Calibri" panose="020F0502020204030204" pitchFamily="34" charset="0"/>
+                        <a:cs typeface="Arial" panose="020B0604020202020204" pitchFamily="34" charset="0"/>
+                      </a:endParaRPr>
+                    </a:p>
+                  </a:txBody>
+                  <a:tcPr marL="68580" marR="68580" marT="0" marB="0" anchor="ctr"/>
                 </a:tc>
                 <a:tc>
                   <a:txBody>
@@ -13201,7 +14227,7 @@
                           </a:solidFill>
                           <a:effectLst/>
                         </a:rPr>
-                        <a:t>18977</a:t>
+                        <a:t>1515</a:t>
                       </a:r>
                       <a:endParaRPr lang="en-US" sz="1200" b="1" dirty="0">
                         <a:solidFill>
@@ -13214,7 +14240,110 @@
                       </a:endParaRPr>
                     </a:p>
                   </a:txBody>
-                  <a:tcPr marL="68580" marR="68580" marT="0" marB="0"/>
+                  <a:tcPr marL="68580" marR="68580" marT="0" marB="0" anchor="ctr"/>
+                </a:tc>
+                <a:tc>
+                  <a:txBody>
+                    <a:bodyPr/>
+                    <a:lstStyle/>
+                    <a:p>
+                      <a:pPr algn="ctr">
+                        <a:lnSpc>
+                          <a:spcPct val="107000"/>
+                        </a:lnSpc>
+                        <a:spcAft>
+                          <a:spcPts val="0"/>
+                        </a:spcAft>
+                      </a:pPr>
+                      <a:r>
+                        <a:rPr lang="en-US" sz="1600" b="1" dirty="0">
+                          <a:effectLst/>
+                        </a:rPr>
+                        <a:t>468</a:t>
+                      </a:r>
+                      <a:endParaRPr lang="en-US" sz="1200" b="1" dirty="0">
+                        <a:effectLst/>
+                        <a:latin typeface="Calibri" panose="020F0502020204030204" pitchFamily="34" charset="0"/>
+                        <a:ea typeface="Calibri" panose="020F0502020204030204" pitchFamily="34" charset="0"/>
+                        <a:cs typeface="Arial" panose="020B0604020202020204" pitchFamily="34" charset="0"/>
+                      </a:endParaRPr>
+                    </a:p>
+                  </a:txBody>
+                  <a:tcPr marL="68580" marR="68580" marT="0" marB="0" anchor="ctr">
+                    <a:lnR w="28575" cap="flat" cmpd="sng" algn="ctr">
+                      <a:solidFill>
+                        <a:schemeClr val="tx1"/>
+                      </a:solidFill>
+                      <a:prstDash val="solid"/>
+                      <a:round/>
+                      <a:headEnd type="none" w="med" len="med"/>
+                      <a:tailEnd type="none" w="med" len="med"/>
+                    </a:lnR>
+                  </a:tcPr>
+                </a:tc>
+                <a:extLst>
+                  <a:ext uri="{0D108BD9-81ED-4DB2-BD59-A6C34878D82A}">
+                    <a16:rowId xmlns:a16="http://schemas.microsoft.com/office/drawing/2014/main" val="606197588"/>
+                  </a:ext>
+                </a:extLst>
+              </a:tr>
+              <a:tr h="404904">
+                <a:tc>
+                  <a:txBody>
+                    <a:bodyPr/>
+                    <a:lstStyle/>
+                    <a:p>
+                      <a:pPr algn="ctr">
+                        <a:lnSpc>
+                          <a:spcPct val="107000"/>
+                        </a:lnSpc>
+                        <a:spcAft>
+                          <a:spcPts val="0"/>
+                        </a:spcAft>
+                      </a:pPr>
+                      <a:r>
+                        <a:rPr lang="en-US" sz="1600" b="1" dirty="0" err="1">
+                          <a:effectLst/>
+                        </a:rPr>
+                        <a:t>Fn</a:t>
+                      </a:r>
+                      <a:endParaRPr lang="en-US" sz="1200" b="1" dirty="0">
+                        <a:effectLst/>
+                        <a:latin typeface="Calibri" panose="020F0502020204030204" pitchFamily="34" charset="0"/>
+                        <a:ea typeface="Calibri" panose="020F0502020204030204" pitchFamily="34" charset="0"/>
+                        <a:cs typeface="Arial" panose="020B0604020202020204" pitchFamily="34" charset="0"/>
+                      </a:endParaRPr>
+                    </a:p>
+                  </a:txBody>
+                  <a:tcPr marL="68580" marR="68580" marT="0" marB="0" anchor="ctr">
+                    <a:lnL w="28575" cap="flat" cmpd="sng" algn="ctr">
+                      <a:solidFill>
+                        <a:schemeClr val="tx1"/>
+                      </a:solidFill>
+                      <a:prstDash val="solid"/>
+                      <a:round/>
+                      <a:headEnd type="none" w="med" len="med"/>
+                      <a:tailEnd type="none" w="med" len="med"/>
+                    </a:lnL>
+                    <a:lnR w="28575" cap="flat" cmpd="sng" algn="ctr">
+                      <a:solidFill>
+                        <a:schemeClr val="tx1"/>
+                      </a:solidFill>
+                      <a:prstDash val="solid"/>
+                      <a:round/>
+                      <a:headEnd type="none" w="med" len="med"/>
+                      <a:tailEnd type="none" w="med" len="med"/>
+                    </a:lnR>
+                    <a:lnB w="28575" cap="flat" cmpd="sng" algn="ctr">
+                      <a:solidFill>
+                        <a:schemeClr val="tx1"/>
+                      </a:solidFill>
+                      <a:prstDash val="solid"/>
+                      <a:round/>
+                      <a:headEnd type="none" w="med" len="med"/>
+                      <a:tailEnd type="none" w="med" len="med"/>
+                    </a:lnB>
+                  </a:tcPr>
                 </a:tc>
                 <a:tc>
                   <a:txBody>
@@ -13233,7 +14362,7 @@
                         <a:rPr lang="en-US" sz="1600" b="1">
                           <a:effectLst/>
                         </a:rPr>
-                        <a:t>18891</a:t>
+                        <a:t>12510</a:t>
                       </a:r>
                       <a:endParaRPr lang="en-US" sz="1200" b="1">
                         <a:effectLst/>
@@ -13243,43 +14372,26 @@
                       </a:endParaRPr>
                     </a:p>
                   </a:txBody>
-                  <a:tcPr marL="68580" marR="68580" marT="0" marB="0"/>
-                </a:tc>
-                <a:extLst>
-                  <a:ext uri="{0D108BD9-81ED-4DB2-BD59-A6C34878D82A}">
-                    <a16:rowId xmlns:a16="http://schemas.microsoft.com/office/drawing/2014/main" val="4066861343"/>
-                  </a:ext>
-                </a:extLst>
-              </a:tr>
-              <a:tr h="423580">
-                <a:tc>
-                  <a:txBody>
-                    <a:bodyPr/>
-                    <a:lstStyle/>
-                    <a:p>
-                      <a:pPr algn="ctr">
-                        <a:lnSpc>
-                          <a:spcPct val="107000"/>
-                        </a:lnSpc>
-                        <a:spcAft>
-                          <a:spcPts val="0"/>
-                        </a:spcAft>
-                      </a:pPr>
-                      <a:r>
-                        <a:rPr lang="en-US" sz="1600" b="1">
-                          <a:effectLst/>
-                        </a:rPr>
-                        <a:t>Tn</a:t>
-                      </a:r>
-                      <a:endParaRPr lang="en-US" sz="1200" b="1">
-                        <a:effectLst/>
-                        <a:latin typeface="Calibri" panose="020F0502020204030204" pitchFamily="34" charset="0"/>
-                        <a:ea typeface="Calibri" panose="020F0502020204030204" pitchFamily="34" charset="0"/>
-                        <a:cs typeface="Arial" panose="020B0604020202020204" pitchFamily="34" charset="0"/>
-                      </a:endParaRPr>
-                    </a:p>
-                  </a:txBody>
-                  <a:tcPr marL="68580" marR="68580" marT="0" marB="0"/>
+                  <a:tcPr marL="68580" marR="68580" marT="0" marB="0" anchor="ctr">
+                    <a:lnL w="28575" cap="flat" cmpd="sng" algn="ctr">
+                      <a:solidFill>
+                        <a:schemeClr val="tx1"/>
+                      </a:solidFill>
+                      <a:prstDash val="solid"/>
+                      <a:round/>
+                      <a:headEnd type="none" w="med" len="med"/>
+                      <a:tailEnd type="none" w="med" len="med"/>
+                    </a:lnL>
+                    <a:lnB w="28575" cap="flat" cmpd="sng" algn="ctr">
+                      <a:solidFill>
+                        <a:schemeClr val="tx1"/>
+                      </a:solidFill>
+                      <a:prstDash val="solid"/>
+                      <a:round/>
+                      <a:headEnd type="none" w="med" len="med"/>
+                      <a:tailEnd type="none" w="med" len="med"/>
+                    </a:lnB>
+                  </a:tcPr>
                 </a:tc>
                 <a:tc>
                   <a:txBody>
@@ -13298,7 +14410,7 @@
                         <a:rPr lang="en-US" sz="1600" b="1">
                           <a:effectLst/>
                         </a:rPr>
-                        <a:t>43623</a:t>
+                        <a:t>11644</a:t>
                       </a:r>
                       <a:endParaRPr lang="en-US" sz="1200" b="1">
                         <a:effectLst/>
@@ -13308,7 +14420,17 @@
                       </a:endParaRPr>
                     </a:p>
                   </a:txBody>
-                  <a:tcPr marL="68580" marR="68580" marT="0" marB="0"/>
+                  <a:tcPr marL="68580" marR="68580" marT="0" marB="0" anchor="ctr">
+                    <a:lnB w="28575" cap="flat" cmpd="sng" algn="ctr">
+                      <a:solidFill>
+                        <a:schemeClr val="tx1"/>
+                      </a:solidFill>
+                      <a:prstDash val="solid"/>
+                      <a:round/>
+                      <a:headEnd type="none" w="med" len="med"/>
+                      <a:tailEnd type="none" w="med" len="med"/>
+                    </a:lnB>
+                  </a:tcPr>
                 </a:tc>
                 <a:tc>
                   <a:txBody>
@@ -13327,7 +14449,7 @@
                         <a:rPr lang="en-US" sz="1600" b="1">
                           <a:effectLst/>
                         </a:rPr>
-                        <a:t>44421</a:t>
+                        <a:t>8912</a:t>
                       </a:r>
                       <a:endParaRPr lang="en-US" sz="1200" b="1">
                         <a:effectLst/>
@@ -13337,7 +14459,17 @@
                       </a:endParaRPr>
                     </a:p>
                   </a:txBody>
-                  <a:tcPr marL="68580" marR="68580" marT="0" marB="0"/>
+                  <a:tcPr marL="68580" marR="68580" marT="0" marB="0" anchor="ctr">
+                    <a:lnB w="28575" cap="flat" cmpd="sng" algn="ctr">
+                      <a:solidFill>
+                        <a:schemeClr val="tx1"/>
+                      </a:solidFill>
+                      <a:prstDash val="solid"/>
+                      <a:round/>
+                      <a:headEnd type="none" w="med" len="med"/>
+                      <a:tailEnd type="none" w="med" len="med"/>
+                    </a:lnB>
+                  </a:tcPr>
                 </a:tc>
                 <a:tc>
                   <a:txBody>
@@ -13353,12 +14485,12 @@
                         </a:spcAft>
                       </a:pPr>
                       <a:r>
-                        <a:rPr lang="en-US" sz="1600" b="1">
+                        <a:rPr lang="en-US" sz="1600" b="1" dirty="0">
                           <a:effectLst/>
                         </a:rPr>
-                        <a:t>44519</a:t>
+                        <a:t>10474</a:t>
                       </a:r>
-                      <a:endParaRPr lang="en-US" sz="1200" b="1">
+                      <a:endParaRPr lang="en-US" sz="1200" b="1" dirty="0">
                         <a:effectLst/>
                         <a:latin typeface="Calibri" panose="020F0502020204030204" pitchFamily="34" charset="0"/>
                         <a:ea typeface="Calibri" panose="020F0502020204030204" pitchFamily="34" charset="0"/>
@@ -13366,36 +14498,17 @@
                       </a:endParaRPr>
                     </a:p>
                   </a:txBody>
-                  <a:tcPr marL="68580" marR="68580" marT="0" marB="0"/>
-                </a:tc>
-                <a:tc>
-                  <a:txBody>
-                    <a:bodyPr/>
-                    <a:lstStyle/>
-                    <a:p>
-                      <a:pPr algn="ctr">
-                        <a:lnSpc>
-                          <a:spcPct val="107000"/>
-                        </a:lnSpc>
-                        <a:spcAft>
-                          <a:spcPts val="0"/>
-                        </a:spcAft>
-                      </a:pPr>
-                      <a:r>
-                        <a:rPr lang="en-US" sz="1600" b="1">
-                          <a:effectLst/>
-                        </a:rPr>
-                        <a:t>44519</a:t>
-                      </a:r>
-                      <a:endParaRPr lang="en-US" sz="1200" b="1">
-                        <a:effectLst/>
-                        <a:latin typeface="Calibri" panose="020F0502020204030204" pitchFamily="34" charset="0"/>
-                        <a:ea typeface="Calibri" panose="020F0502020204030204" pitchFamily="34" charset="0"/>
-                        <a:cs typeface="Arial" panose="020B0604020202020204" pitchFamily="34" charset="0"/>
-                      </a:endParaRPr>
-                    </a:p>
-                  </a:txBody>
-                  <a:tcPr marL="68580" marR="68580" marT="0" marB="0"/>
+                  <a:tcPr marL="68580" marR="68580" marT="0" marB="0" anchor="ctr">
+                    <a:lnB w="28575" cap="flat" cmpd="sng" algn="ctr">
+                      <a:solidFill>
+                        <a:schemeClr val="tx1"/>
+                      </a:solidFill>
+                      <a:prstDash val="solid"/>
+                      <a:round/>
+                      <a:headEnd type="none" w="med" len="med"/>
+                      <a:tailEnd type="none" w="med" len="med"/>
+                    </a:lnB>
+                  </a:tcPr>
                 </a:tc>
                 <a:tc>
                   <a:txBody>
@@ -13417,7 +14530,7 @@
                           </a:solidFill>
                           <a:effectLst/>
                         </a:rPr>
-                        <a:t>44597</a:t>
+                        <a:t>11905</a:t>
                       </a:r>
                       <a:endParaRPr lang="en-US" sz="1200" b="1" dirty="0">
                         <a:solidFill>
@@ -13430,439 +14543,17 @@
                       </a:endParaRPr>
                     </a:p>
                   </a:txBody>
-                  <a:tcPr marL="68580" marR="68580" marT="0" marB="0"/>
-                </a:tc>
-                <a:tc>
-                  <a:txBody>
-                    <a:bodyPr/>
-                    <a:lstStyle/>
-                    <a:p>
-                      <a:pPr algn="ctr">
-                        <a:lnSpc>
-                          <a:spcPct val="107000"/>
-                        </a:lnSpc>
-                        <a:spcAft>
-                          <a:spcPts val="0"/>
-                        </a:spcAft>
-                      </a:pPr>
-                      <a:r>
-                        <a:rPr lang="en-US" sz="1600" b="1">
-                          <a:effectLst/>
-                        </a:rPr>
-                        <a:t>44646</a:t>
-                      </a:r>
-                      <a:endParaRPr lang="en-US" sz="1200" b="1">
-                        <a:effectLst/>
-                        <a:latin typeface="Calibri" panose="020F0502020204030204" pitchFamily="34" charset="0"/>
-                        <a:ea typeface="Calibri" panose="020F0502020204030204" pitchFamily="34" charset="0"/>
-                        <a:cs typeface="Arial" panose="020B0604020202020204" pitchFamily="34" charset="0"/>
-                      </a:endParaRPr>
-                    </a:p>
-                  </a:txBody>
-                  <a:tcPr marL="68580" marR="68580" marT="0" marB="0"/>
-                </a:tc>
-                <a:extLst>
-                  <a:ext uri="{0D108BD9-81ED-4DB2-BD59-A6C34878D82A}">
-                    <a16:rowId xmlns:a16="http://schemas.microsoft.com/office/drawing/2014/main" val="334291454"/>
-                  </a:ext>
-                </a:extLst>
-              </a:tr>
-              <a:tr h="423580">
-                <a:tc>
-                  <a:txBody>
-                    <a:bodyPr/>
-                    <a:lstStyle/>
-                    <a:p>
-                      <a:pPr algn="ctr">
-                        <a:lnSpc>
-                          <a:spcPct val="107000"/>
-                        </a:lnSpc>
-                        <a:spcAft>
-                          <a:spcPts val="0"/>
-                        </a:spcAft>
-                      </a:pPr>
-                      <a:r>
-                        <a:rPr lang="en-US" sz="1600" b="1">
-                          <a:effectLst/>
-                        </a:rPr>
-                        <a:t>Fp</a:t>
-                      </a:r>
-                      <a:endParaRPr lang="en-US" sz="1200" b="1">
-                        <a:effectLst/>
-                        <a:latin typeface="Calibri" panose="020F0502020204030204" pitchFamily="34" charset="0"/>
-                        <a:ea typeface="Calibri" panose="020F0502020204030204" pitchFamily="34" charset="0"/>
-                        <a:cs typeface="Arial" panose="020B0604020202020204" pitchFamily="34" charset="0"/>
-                      </a:endParaRPr>
-                    </a:p>
-                  </a:txBody>
-                  <a:tcPr marL="68580" marR="68580" marT="0" marB="0"/>
-                </a:tc>
-                <a:tc>
-                  <a:txBody>
-                    <a:bodyPr/>
-                    <a:lstStyle/>
-                    <a:p>
-                      <a:pPr algn="ctr">
-                        <a:lnSpc>
-                          <a:spcPct val="107000"/>
-                        </a:lnSpc>
-                        <a:spcAft>
-                          <a:spcPts val="0"/>
-                        </a:spcAft>
-                      </a:pPr>
-                      <a:r>
-                        <a:rPr lang="en-US" sz="1600" b="1">
-                          <a:effectLst/>
-                        </a:rPr>
-                        <a:t>1395</a:t>
-                      </a:r>
-                      <a:endParaRPr lang="en-US" sz="1200" b="1">
-                        <a:effectLst/>
-                        <a:latin typeface="Calibri" panose="020F0502020204030204" pitchFamily="34" charset="0"/>
-                        <a:ea typeface="Calibri" panose="020F0502020204030204" pitchFamily="34" charset="0"/>
-                        <a:cs typeface="Arial" panose="020B0604020202020204" pitchFamily="34" charset="0"/>
-                      </a:endParaRPr>
-                    </a:p>
-                  </a:txBody>
-                  <a:tcPr marL="68580" marR="68580" marT="0" marB="0"/>
-                </a:tc>
-                <a:tc>
-                  <a:txBody>
-                    <a:bodyPr/>
-                    <a:lstStyle/>
-                    <a:p>
-                      <a:pPr algn="ctr">
-                        <a:lnSpc>
-                          <a:spcPct val="107000"/>
-                        </a:lnSpc>
-                        <a:spcAft>
-                          <a:spcPts val="0"/>
-                        </a:spcAft>
-                      </a:pPr>
-                      <a:r>
-                        <a:rPr lang="en-US" sz="1600" b="1">
-                          <a:effectLst/>
-                        </a:rPr>
-                        <a:t>597</a:t>
-                      </a:r>
-                      <a:endParaRPr lang="en-US" sz="1200" b="1">
-                        <a:effectLst/>
-                        <a:latin typeface="Calibri" panose="020F0502020204030204" pitchFamily="34" charset="0"/>
-                        <a:ea typeface="Calibri" panose="020F0502020204030204" pitchFamily="34" charset="0"/>
-                        <a:cs typeface="Arial" panose="020B0604020202020204" pitchFamily="34" charset="0"/>
-                      </a:endParaRPr>
-                    </a:p>
-                  </a:txBody>
-                  <a:tcPr marL="68580" marR="68580" marT="0" marB="0"/>
-                </a:tc>
-                <a:tc>
-                  <a:txBody>
-                    <a:bodyPr/>
-                    <a:lstStyle/>
-                    <a:p>
-                      <a:pPr algn="ctr">
-                        <a:lnSpc>
-                          <a:spcPct val="107000"/>
-                        </a:lnSpc>
-                        <a:spcAft>
-                          <a:spcPts val="0"/>
-                        </a:spcAft>
-                      </a:pPr>
-                      <a:r>
-                        <a:rPr lang="en-US" sz="1600" b="1">
-                          <a:effectLst/>
-                        </a:rPr>
-                        <a:t>499</a:t>
-                      </a:r>
-                      <a:endParaRPr lang="en-US" sz="1200" b="1">
-                        <a:effectLst/>
-                        <a:latin typeface="Calibri" panose="020F0502020204030204" pitchFamily="34" charset="0"/>
-                        <a:ea typeface="Calibri" panose="020F0502020204030204" pitchFamily="34" charset="0"/>
-                        <a:cs typeface="Arial" panose="020B0604020202020204" pitchFamily="34" charset="0"/>
-                      </a:endParaRPr>
-                    </a:p>
-                  </a:txBody>
-                  <a:tcPr marL="68580" marR="68580" marT="0" marB="0"/>
-                </a:tc>
-                <a:tc>
-                  <a:txBody>
-                    <a:bodyPr/>
-                    <a:lstStyle/>
-                    <a:p>
-                      <a:pPr algn="ctr">
-                        <a:lnSpc>
-                          <a:spcPct val="107000"/>
-                        </a:lnSpc>
-                        <a:spcAft>
-                          <a:spcPts val="0"/>
-                        </a:spcAft>
-                      </a:pPr>
-                      <a:r>
-                        <a:rPr lang="en-US" sz="1600" b="1">
-                          <a:effectLst/>
-                        </a:rPr>
-                        <a:t>499</a:t>
-                      </a:r>
-                      <a:endParaRPr lang="en-US" sz="1200" b="1">
-                        <a:effectLst/>
-                        <a:latin typeface="Calibri" panose="020F0502020204030204" pitchFamily="34" charset="0"/>
-                        <a:ea typeface="Calibri" panose="020F0502020204030204" pitchFamily="34" charset="0"/>
-                        <a:cs typeface="Arial" panose="020B0604020202020204" pitchFamily="34" charset="0"/>
-                      </a:endParaRPr>
-                    </a:p>
-                  </a:txBody>
-                  <a:tcPr marL="68580" marR="68580" marT="0" marB="0"/>
-                </a:tc>
-                <a:tc>
-                  <a:txBody>
-                    <a:bodyPr/>
-                    <a:lstStyle/>
-                    <a:p>
-                      <a:pPr algn="ctr">
-                        <a:lnSpc>
-                          <a:spcPct val="107000"/>
-                        </a:lnSpc>
-                        <a:spcAft>
-                          <a:spcPts val="0"/>
-                        </a:spcAft>
-                      </a:pPr>
-                      <a:r>
-                        <a:rPr lang="en-US" sz="1600" b="1" dirty="0">
-                          <a:solidFill>
-                            <a:srgbClr val="FF0000"/>
-                          </a:solidFill>
-                          <a:effectLst/>
-                        </a:rPr>
-                        <a:t>421</a:t>
-                      </a:r>
-                      <a:endParaRPr lang="en-US" sz="1200" b="1" dirty="0">
-                        <a:solidFill>
-                          <a:srgbClr val="FF0000"/>
-                        </a:solidFill>
-                        <a:effectLst/>
-                        <a:latin typeface="Calibri" panose="020F0502020204030204" pitchFamily="34" charset="0"/>
-                        <a:ea typeface="Calibri" panose="020F0502020204030204" pitchFamily="34" charset="0"/>
-                        <a:cs typeface="Arial" panose="020B0604020202020204" pitchFamily="34" charset="0"/>
-                      </a:endParaRPr>
-                    </a:p>
-                  </a:txBody>
-                  <a:tcPr marL="68580" marR="68580" marT="0" marB="0"/>
-                </a:tc>
-                <a:tc>
-                  <a:txBody>
-                    <a:bodyPr/>
-                    <a:lstStyle/>
-                    <a:p>
-                      <a:pPr algn="ctr">
-                        <a:lnSpc>
-                          <a:spcPct val="107000"/>
-                        </a:lnSpc>
-                        <a:spcAft>
-                          <a:spcPts val="0"/>
-                        </a:spcAft>
-                      </a:pPr>
-                      <a:r>
-                        <a:rPr lang="en-US" sz="1600" b="1">
-                          <a:effectLst/>
-                        </a:rPr>
-                        <a:t>372</a:t>
-                      </a:r>
-                      <a:endParaRPr lang="en-US" sz="1200" b="1">
-                        <a:effectLst/>
-                        <a:latin typeface="Calibri" panose="020F0502020204030204" pitchFamily="34" charset="0"/>
-                        <a:ea typeface="Calibri" panose="020F0502020204030204" pitchFamily="34" charset="0"/>
-                        <a:cs typeface="Arial" panose="020B0604020202020204" pitchFamily="34" charset="0"/>
-                      </a:endParaRPr>
-                    </a:p>
-                  </a:txBody>
-                  <a:tcPr marL="68580" marR="68580" marT="0" marB="0"/>
-                </a:tc>
-                <a:extLst>
-                  <a:ext uri="{0D108BD9-81ED-4DB2-BD59-A6C34878D82A}">
-                    <a16:rowId xmlns:a16="http://schemas.microsoft.com/office/drawing/2014/main" val="2286261007"/>
-                  </a:ext>
-                </a:extLst>
-              </a:tr>
-              <a:tr h="423580">
-                <a:tc>
-                  <a:txBody>
-                    <a:bodyPr/>
-                    <a:lstStyle/>
-                    <a:p>
-                      <a:pPr algn="ctr">
-                        <a:lnSpc>
-                          <a:spcPct val="107000"/>
-                        </a:lnSpc>
-                        <a:spcAft>
-                          <a:spcPts val="0"/>
-                        </a:spcAft>
-                      </a:pPr>
-                      <a:r>
-                        <a:rPr lang="en-US" sz="1600" b="1">
-                          <a:effectLst/>
-                        </a:rPr>
-                        <a:t>Fn</a:t>
-                      </a:r>
-                      <a:endParaRPr lang="en-US" sz="1200" b="1">
-                        <a:effectLst/>
-                        <a:latin typeface="Calibri" panose="020F0502020204030204" pitchFamily="34" charset="0"/>
-                        <a:ea typeface="Calibri" panose="020F0502020204030204" pitchFamily="34" charset="0"/>
-                        <a:cs typeface="Arial" panose="020B0604020202020204" pitchFamily="34" charset="0"/>
-                      </a:endParaRPr>
-                    </a:p>
-                  </a:txBody>
-                  <a:tcPr marL="68580" marR="68580" marT="0" marB="0"/>
-                </a:tc>
-                <a:tc>
-                  <a:txBody>
-                    <a:bodyPr/>
-                    <a:lstStyle/>
-                    <a:p>
-                      <a:pPr algn="ctr">
-                        <a:lnSpc>
-                          <a:spcPct val="107000"/>
-                        </a:lnSpc>
-                        <a:spcAft>
-                          <a:spcPts val="0"/>
-                        </a:spcAft>
-                      </a:pPr>
-                      <a:r>
-                        <a:rPr lang="en-US" sz="1600" b="1">
-                          <a:effectLst/>
-                        </a:rPr>
-                        <a:t>12440</a:t>
-                      </a:r>
-                      <a:endParaRPr lang="en-US" sz="1200" b="1">
-                        <a:effectLst/>
-                        <a:latin typeface="Calibri" panose="020F0502020204030204" pitchFamily="34" charset="0"/>
-                        <a:ea typeface="Calibri" panose="020F0502020204030204" pitchFamily="34" charset="0"/>
-                        <a:cs typeface="Arial" panose="020B0604020202020204" pitchFamily="34" charset="0"/>
-                      </a:endParaRPr>
-                    </a:p>
-                  </a:txBody>
-                  <a:tcPr marL="68580" marR="68580" marT="0" marB="0"/>
-                </a:tc>
-                <a:tc>
-                  <a:txBody>
-                    <a:bodyPr/>
-                    <a:lstStyle/>
-                    <a:p>
-                      <a:pPr algn="ctr">
-                        <a:lnSpc>
-                          <a:spcPct val="107000"/>
-                        </a:lnSpc>
-                        <a:spcAft>
-                          <a:spcPts val="0"/>
-                        </a:spcAft>
-                      </a:pPr>
-                      <a:r>
-                        <a:rPr lang="en-US" sz="1600" b="1">
-                          <a:effectLst/>
-                        </a:rPr>
-                        <a:t>301</a:t>
-                      </a:r>
-                      <a:endParaRPr lang="en-US" sz="1200" b="1">
-                        <a:effectLst/>
-                        <a:latin typeface="Calibri" panose="020F0502020204030204" pitchFamily="34" charset="0"/>
-                        <a:ea typeface="Calibri" panose="020F0502020204030204" pitchFamily="34" charset="0"/>
-                        <a:cs typeface="Arial" panose="020B0604020202020204" pitchFamily="34" charset="0"/>
-                      </a:endParaRPr>
-                    </a:p>
-                  </a:txBody>
-                  <a:tcPr marL="68580" marR="68580" marT="0" marB="0"/>
-                </a:tc>
-                <a:tc>
-                  <a:txBody>
-                    <a:bodyPr/>
-                    <a:lstStyle/>
-                    <a:p>
-                      <a:pPr algn="ctr">
-                        <a:lnSpc>
-                          <a:spcPct val="107000"/>
-                        </a:lnSpc>
-                        <a:spcAft>
-                          <a:spcPts val="0"/>
-                        </a:spcAft>
-                      </a:pPr>
-                      <a:r>
-                        <a:rPr lang="en-US" sz="1600" b="1">
-                          <a:effectLst/>
-                        </a:rPr>
-                        <a:t>581</a:t>
-                      </a:r>
-                      <a:endParaRPr lang="en-US" sz="1200" b="1">
-                        <a:effectLst/>
-                        <a:latin typeface="Calibri" panose="020F0502020204030204" pitchFamily="34" charset="0"/>
-                        <a:ea typeface="Calibri" panose="020F0502020204030204" pitchFamily="34" charset="0"/>
-                        <a:cs typeface="Arial" panose="020B0604020202020204" pitchFamily="34" charset="0"/>
-                      </a:endParaRPr>
-                    </a:p>
-                  </a:txBody>
-                  <a:tcPr marL="68580" marR="68580" marT="0" marB="0"/>
-                </a:tc>
-                <a:tc>
-                  <a:txBody>
-                    <a:bodyPr/>
-                    <a:lstStyle/>
-                    <a:p>
-                      <a:pPr algn="ctr">
-                        <a:lnSpc>
-                          <a:spcPct val="107000"/>
-                        </a:lnSpc>
-                        <a:spcAft>
-                          <a:spcPts val="0"/>
-                        </a:spcAft>
-                      </a:pPr>
-                      <a:r>
-                        <a:rPr lang="en-US" sz="1600" b="1">
-                          <a:effectLst/>
-                        </a:rPr>
-                        <a:t>581</a:t>
-                      </a:r>
-                      <a:endParaRPr lang="en-US" sz="1200" b="1">
-                        <a:effectLst/>
-                        <a:latin typeface="Calibri" panose="020F0502020204030204" pitchFamily="34" charset="0"/>
-                        <a:ea typeface="Calibri" panose="020F0502020204030204" pitchFamily="34" charset="0"/>
-                        <a:cs typeface="Arial" panose="020B0604020202020204" pitchFamily="34" charset="0"/>
-                      </a:endParaRPr>
-                    </a:p>
-                  </a:txBody>
-                  <a:tcPr marL="68580" marR="68580" marT="0" marB="0"/>
-                </a:tc>
-                <a:tc>
-                  <a:txBody>
-                    <a:bodyPr/>
-                    <a:lstStyle/>
-                    <a:p>
-                      <a:pPr algn="ctr">
-                        <a:lnSpc>
-                          <a:spcPct val="107000"/>
-                        </a:lnSpc>
-                        <a:spcAft>
-                          <a:spcPts val="0"/>
-                        </a:spcAft>
-                      </a:pPr>
-                      <a:r>
-                        <a:rPr lang="en-US" sz="1600" b="1" dirty="0">
-                          <a:solidFill>
-                            <a:srgbClr val="FF0000"/>
-                          </a:solidFill>
-                          <a:effectLst/>
-                        </a:rPr>
-                        <a:t>248</a:t>
-                      </a:r>
-                      <a:endParaRPr lang="en-US" sz="1200" b="1" dirty="0">
-                        <a:solidFill>
-                          <a:srgbClr val="FF0000"/>
-                        </a:solidFill>
-                        <a:effectLst/>
-                        <a:latin typeface="Calibri" panose="020F0502020204030204" pitchFamily="34" charset="0"/>
-                        <a:ea typeface="Calibri" panose="020F0502020204030204" pitchFamily="34" charset="0"/>
-                        <a:cs typeface="Arial" panose="020B0604020202020204" pitchFamily="34" charset="0"/>
-                      </a:endParaRPr>
-                    </a:p>
-                  </a:txBody>
-                  <a:tcPr marL="68580" marR="68580" marT="0" marB="0"/>
+                  <a:tcPr marL="68580" marR="68580" marT="0" marB="0" anchor="ctr">
+                    <a:lnB w="28575" cap="flat" cmpd="sng" algn="ctr">
+                      <a:solidFill>
+                        <a:schemeClr val="tx1"/>
+                      </a:solidFill>
+                      <a:prstDash val="solid"/>
+                      <a:round/>
+                      <a:headEnd type="none" w="med" len="med"/>
+                      <a:tailEnd type="none" w="med" len="med"/>
+                    </a:lnB>
+                  </a:tcPr>
                 </a:tc>
                 <a:tc>
                   <a:txBody>
@@ -13881,7 +14572,7 @@
                         <a:rPr lang="en-US" sz="1600" b="1" dirty="0">
                           <a:effectLst/>
                         </a:rPr>
-                        <a:t>334</a:t>
+                        <a:t>13765</a:t>
                       </a:r>
                       <a:endParaRPr lang="en-US" sz="1200" b="1" dirty="0">
                         <a:effectLst/>
@@ -13891,11 +14582,30 @@
                       </a:endParaRPr>
                     </a:p>
                   </a:txBody>
-                  <a:tcPr marL="68580" marR="68580" marT="0" marB="0"/>
+                  <a:tcPr marL="68580" marR="68580" marT="0" marB="0" anchor="ctr">
+                    <a:lnR w="28575" cap="flat" cmpd="sng" algn="ctr">
+                      <a:solidFill>
+                        <a:schemeClr val="tx1"/>
+                      </a:solidFill>
+                      <a:prstDash val="solid"/>
+                      <a:round/>
+                      <a:headEnd type="none" w="med" len="med"/>
+                      <a:tailEnd type="none" w="med" len="med"/>
+                    </a:lnR>
+                    <a:lnB w="28575" cap="flat" cmpd="sng" algn="ctr">
+                      <a:solidFill>
+                        <a:schemeClr val="tx1"/>
+                      </a:solidFill>
+                      <a:prstDash val="solid"/>
+                      <a:round/>
+                      <a:headEnd type="none" w="med" len="med"/>
+                      <a:tailEnd type="none" w="med" len="med"/>
+                    </a:lnB>
+                  </a:tcPr>
                 </a:tc>
                 <a:extLst>
                   <a:ext uri="{0D108BD9-81ED-4DB2-BD59-A6C34878D82A}">
-                    <a16:rowId xmlns:a16="http://schemas.microsoft.com/office/drawing/2014/main" val="3260699137"/>
+                    <a16:rowId xmlns:a16="http://schemas.microsoft.com/office/drawing/2014/main" val="2270595643"/>
                   </a:ext>
                 </a:extLst>
               </a:tr>
@@ -13903,72 +14613,28 @@
           </a:graphicData>
         </a:graphic>
       </p:graphicFrame>
-      <p:sp>
-        <p:nvSpPr>
-          <p:cNvPr id="5" name="مربع نص 4"/>
-          <p:cNvSpPr txBox="1"/>
+      <p:pic>
+        <p:nvPicPr>
+          <p:cNvPr id="7" name="صورة 6"/>
+          <p:cNvPicPr/>
           <p:nvPr/>
-        </p:nvSpPr>
+        </p:nvPicPr>
+        <p:blipFill>
+          <a:blip r:embed="rId2"/>
+          <a:stretch>
+            <a:fillRect/>
+          </a:stretch>
+        </p:blipFill>
         <p:spPr>
           <a:xfrm>
-            <a:off x="8519886" y="2209800"/>
-            <a:ext cx="2796040" cy="2862322"/>
+            <a:off x="8251748" y="1454046"/>
+            <a:ext cx="3680422" cy="2851367"/>
           </a:xfrm>
           <a:prstGeom prst="rect">
             <a:avLst/>
           </a:prstGeom>
-          <a:noFill/>
         </p:spPr>
-        <p:txBody>
-          <a:bodyPr wrap="square" rtlCol="0">
-            <a:spAutoFit/>
-          </a:bodyPr>
-          <a:lstStyle/>
-          <a:p>
-            <a:pPr algn="ctr"/>
-            <a:r>
-              <a:rPr lang="en-US" b="1" u="sng" dirty="0">
-                <a:solidFill>
-                  <a:schemeClr val="accent6">
-                    <a:lumMod val="75000"/>
-                  </a:schemeClr>
-                </a:solidFill>
-              </a:rPr>
-              <a:t>gradient boost classifier </a:t>
-            </a:r>
-            <a:r>
-              <a:rPr lang="en-US" b="1" dirty="0">
-                <a:solidFill>
-                  <a:schemeClr val="accent5">
-                    <a:lumMod val="75000"/>
-                  </a:schemeClr>
-                </a:solidFill>
-              </a:rPr>
-              <a:t>achieved best result (highest accuracy &amp; lowest </a:t>
-            </a:r>
-            <a:r>
-              <a:rPr lang="en-US" b="1" dirty="0" err="1">
-                <a:solidFill>
-                  <a:schemeClr val="accent5">
-                    <a:lumMod val="75000"/>
-                  </a:schemeClr>
-                </a:solidFill>
-              </a:rPr>
-              <a:t>log_loss</a:t>
-            </a:r>
-            <a:r>
-              <a:rPr lang="en-US" b="1" dirty="0">
-                <a:solidFill>
-                  <a:schemeClr val="accent5">
-                    <a:lumMod val="75000"/>
-                  </a:schemeClr>
-                </a:solidFill>
-              </a:rPr>
-              <a:t>) with the lowest false negative value. This is important because it is more vital to detect more sever class than lower one</a:t>
-            </a:r>
-          </a:p>
-        </p:txBody>
-      </p:sp>
+      </p:pic>
     </p:spTree>
     <p:extLst>
       <p:ext uri="{BB962C8B-B14F-4D97-AF65-F5344CB8AC3E}">
@@ -14014,7 +14680,161 @@
           <a:bodyPr/>
           <a:lstStyle/>
           <a:p>
-            <a:endParaRPr lang="en-US"/>
+            <a:r>
+              <a:rPr lang="en-US" dirty="0" smtClean="0"/>
+              <a:t>Risk Factors</a:t>
+            </a:r>
+            <a:endParaRPr lang="en-US" dirty="0"/>
+          </a:p>
+        </p:txBody>
+      </p:sp>
+      <p:sp>
+        <p:nvSpPr>
+          <p:cNvPr id="3" name="عنصر نائب للمحتوى 2"/>
+          <p:cNvSpPr>
+            <a:spLocks noGrp="1"/>
+          </p:cNvSpPr>
+          <p:nvPr>
+            <p:ph idx="1"/>
+          </p:nvPr>
+        </p:nvSpPr>
+        <p:spPr>
+          <a:xfrm>
+            <a:off x="6821008" y="2338465"/>
+            <a:ext cx="4579156" cy="4996822"/>
+          </a:xfrm>
+        </p:spPr>
+        <p:txBody>
+          <a:bodyPr/>
+          <a:lstStyle/>
+          <a:p>
+            <a:r>
+              <a:rPr lang="en-US" b="1" dirty="0"/>
+              <a:t>Features, which is important in prediction process, is </a:t>
+            </a:r>
+            <a:r>
+              <a:rPr lang="en-US" b="1" dirty="0">
+                <a:solidFill>
+                  <a:srgbClr val="FF0000"/>
+                </a:solidFill>
+              </a:rPr>
+              <a:t>hitting parked car, number of persons involved (Person Count &amp; pedestrians &amp; bicycles), and intersection related accidents.</a:t>
+            </a:r>
+            <a:endParaRPr lang="en-US" dirty="0">
+              <a:solidFill>
+                <a:srgbClr val="FF0000"/>
+              </a:solidFill>
+            </a:endParaRPr>
+          </a:p>
+          <a:p>
+            <a:endParaRPr lang="en-US" dirty="0"/>
+          </a:p>
+        </p:txBody>
+      </p:sp>
+      <p:pic>
+        <p:nvPicPr>
+          <p:cNvPr id="4" name="Picture 1" descr="download"/>
+          <p:cNvPicPr>
+            <a:picLocks noChangeAspect="1" noChangeArrowheads="1"/>
+          </p:cNvPicPr>
+          <p:nvPr/>
+        </p:nvPicPr>
+        <p:blipFill>
+          <a:blip r:embed="rId2">
+            <a:extLst>
+              <a:ext uri="{28A0092B-C50C-407E-A947-70E740481C1C}">
+                <a14:useLocalDpi xmlns:a14="http://schemas.microsoft.com/office/drawing/2010/main" val="0"/>
+              </a:ext>
+            </a:extLst>
+          </a:blip>
+          <a:srcRect/>
+          <a:stretch>
+            <a:fillRect/>
+          </a:stretch>
+        </p:blipFill>
+        <p:spPr bwMode="auto">
+          <a:xfrm>
+            <a:off x="2379351" y="1244182"/>
+            <a:ext cx="4337210" cy="5748728"/>
+          </a:xfrm>
+          <a:prstGeom prst="rect">
+            <a:avLst/>
+          </a:prstGeom>
+          <a:noFill/>
+          <a:ln>
+            <a:noFill/>
+          </a:ln>
+          <a:extLst>
+            <a:ext uri="{909E8E84-426E-40DD-AFC4-6F175D3DCCD1}">
+              <a14:hiddenFill xmlns:a14="http://schemas.microsoft.com/office/drawing/2010/main">
+                <a:solidFill>
+                  <a:srgbClr val="FFFFFF"/>
+                </a:solidFill>
+              </a14:hiddenFill>
+            </a:ext>
+            <a:ext uri="{91240B29-F687-4F45-9708-019B960494DF}">
+              <a14:hiddenLine xmlns:a14="http://schemas.microsoft.com/office/drawing/2010/main" w="9525">
+                <a:solidFill>
+                  <a:srgbClr val="000000"/>
+                </a:solidFill>
+                <a:miter lim="800000"/>
+                <a:headEnd/>
+                <a:tailEnd/>
+              </a14:hiddenLine>
+            </a:ext>
+          </a:extLst>
+        </p:spPr>
+      </p:pic>
+    </p:spTree>
+    <p:extLst>
+      <p:ext uri="{BB962C8B-B14F-4D97-AF65-F5344CB8AC3E}">
+        <p14:creationId xmlns:p14="http://schemas.microsoft.com/office/powerpoint/2010/main" val="538148095"/>
+      </p:ext>
+    </p:extLst>
+  </p:cSld>
+  <p:clrMapOvr>
+    <a:masterClrMapping/>
+  </p:clrMapOvr>
+</p:sld>
+</file>
+
+<file path=ppt/slides/slide18.xml><?xml version="1.0" encoding="utf-8"?>
+<p:sld xmlns:a="http://schemas.openxmlformats.org/drawingml/2006/main" xmlns:r="http://schemas.openxmlformats.org/officeDocument/2006/relationships" xmlns:p="http://schemas.openxmlformats.org/presentationml/2006/main">
+  <p:cSld>
+    <p:spTree>
+      <p:nvGrpSpPr>
+        <p:cNvPr id="1" name=""/>
+        <p:cNvGrpSpPr/>
+        <p:nvPr/>
+      </p:nvGrpSpPr>
+      <p:grpSpPr>
+        <a:xfrm>
+          <a:off x="0" y="0"/>
+          <a:ext cx="0" cy="0"/>
+          <a:chOff x="0" y="0"/>
+          <a:chExt cx="0" cy="0"/>
+        </a:xfrm>
+      </p:grpSpPr>
+      <p:sp>
+        <p:nvSpPr>
+          <p:cNvPr id="2" name="عنوان 1"/>
+          <p:cNvSpPr>
+            <a:spLocks noGrp="1"/>
+          </p:cNvSpPr>
+          <p:nvPr>
+            <p:ph type="title"/>
+          </p:nvPr>
+        </p:nvSpPr>
+        <p:spPr/>
+        <p:txBody>
+          <a:bodyPr/>
+          <a:lstStyle/>
+          <a:p>
+            <a:r>
+              <a:rPr lang="en-US" dirty="0" smtClean="0"/>
+              <a:t>conclusion</a:t>
+            </a:r>
+            <a:endParaRPr lang="en-US" dirty="0"/>
           </a:p>
         </p:txBody>
       </p:sp>
@@ -14038,37 +14858,120 @@
               <a:t>Built </a:t>
             </a:r>
             <a:r>
-              <a:rPr lang="en-US" b="1" dirty="0" err="1" smtClean="0"/>
-              <a:t>Accurat</a:t>
-            </a:r>
+              <a:rPr lang="en-US" b="1" dirty="0" smtClean="0"/>
+              <a:t>model with </a:t>
+            </a:r>
+            <a:r>
+              <a:rPr lang="en-US" b="1" dirty="0" smtClean="0"/>
+              <a:t>acceptable </a:t>
+            </a:r>
+            <a:r>
+              <a:rPr lang="en-US" b="1" dirty="0"/>
+              <a:t>accuracy to predict accident severity</a:t>
+            </a:r>
+            <a:endParaRPr lang="en-US" b="1" dirty="0" smtClean="0"/>
+          </a:p>
+          <a:p>
             <a:r>
               <a:rPr lang="en-US" b="1" dirty="0" smtClean="0"/>
               <a:t> </a:t>
             </a:r>
             <a:r>
               <a:rPr lang="en-US" b="1" dirty="0"/>
-              <a:t>models to predict </a:t>
+              <a:t>very useful for helping Government agencies, healthcare service provider, and Traveler in many </a:t>
             </a:r>
             <a:r>
               <a:rPr lang="en-US" b="1" dirty="0" smtClean="0"/>
-              <a:t>severity of accident</a:t>
+              <a:t>ways</a:t>
             </a:r>
           </a:p>
           <a:p>
             <a:r>
               <a:rPr lang="en-US" b="1" dirty="0" smtClean="0"/>
-              <a:t> risk factors include :</a:t>
-            </a:r>
-          </a:p>
-          <a:p>
+              <a:t>Risk factors for sever accident </a:t>
+            </a:r>
             <a:r>
               <a:rPr lang="en-US" b="1" dirty="0" smtClean="0"/>
+              <a:t>:</a:t>
+            </a:r>
+          </a:p>
+          <a:p>
+            <a:pPr lvl="1"/>
+            <a:r>
+              <a:rPr lang="en-US" b="1" dirty="0">
+                <a:solidFill>
+                  <a:srgbClr val="FF0000"/>
+                </a:solidFill>
+              </a:rPr>
+              <a:t>hitting parked </a:t>
+            </a:r>
+            <a:r>
+              <a:rPr lang="en-US" b="1" dirty="0" smtClean="0">
+                <a:solidFill>
+                  <a:srgbClr val="FF0000"/>
+                </a:solidFill>
+              </a:rPr>
+              <a:t>car</a:t>
+            </a:r>
+          </a:p>
+          <a:p>
+            <a:pPr lvl="1"/>
+            <a:r>
+              <a:rPr lang="en-US" b="1" dirty="0" smtClean="0">
+                <a:solidFill>
+                  <a:srgbClr val="FF0000"/>
+                </a:solidFill>
+              </a:rPr>
               <a:t> </a:t>
             </a:r>
             <a:r>
-              <a:rPr lang="en-US" b="1" dirty="0"/>
-              <a:t>○ Physical data (speed, jump, etc.) ○ Financial data (contract year, amount of pay, etc.) ○ Team interaction data (strengths of players of the same position on the team)</a:t>
-            </a:r>
+              <a:rPr lang="en-US" b="1" dirty="0">
+                <a:solidFill>
+                  <a:srgbClr val="FF0000"/>
+                </a:solidFill>
+              </a:rPr>
+              <a:t>number of persons involved (Person Count &amp; pedestrians &amp; </a:t>
+            </a:r>
+            <a:r>
+              <a:rPr lang="en-US" b="1" dirty="0" smtClean="0">
+                <a:solidFill>
+                  <a:srgbClr val="FF0000"/>
+                </a:solidFill>
+              </a:rPr>
+              <a:t>bicycles)</a:t>
+            </a:r>
+          </a:p>
+          <a:p>
+            <a:pPr lvl="1"/>
+            <a:r>
+              <a:rPr lang="en-US" b="1" dirty="0" smtClean="0">
+                <a:solidFill>
+                  <a:srgbClr val="FF0000"/>
+                </a:solidFill>
+              </a:rPr>
+              <a:t>intersection </a:t>
+            </a:r>
+            <a:r>
+              <a:rPr lang="en-US" b="1" dirty="0">
+                <a:solidFill>
+                  <a:srgbClr val="FF0000"/>
+                </a:solidFill>
+              </a:rPr>
+              <a:t>related </a:t>
+            </a:r>
+            <a:r>
+              <a:rPr lang="en-US" b="1" dirty="0" smtClean="0">
+                <a:solidFill>
+                  <a:srgbClr val="FF0000"/>
+                </a:solidFill>
+              </a:rPr>
+              <a:t>accidents</a:t>
+            </a:r>
+            <a:endParaRPr lang="en-US" b="1" dirty="0" smtClean="0"/>
+          </a:p>
+          <a:p>
+            <a:pPr lvl="1"/>
+            <a:endParaRPr lang="en-US" b="1" dirty="0" smtClean="0"/>
           </a:p>
         </p:txBody>
       </p:sp>
@@ -14287,11 +15190,7 @@
           <a:p>
             <a:r>
               <a:rPr lang="en-US" b="1" dirty="0"/>
-              <a:t>Source: Traffic </a:t>
-            </a:r>
-            <a:r>
-              <a:rPr lang="en-US" b="1" dirty="0"/>
-              <a:t>Records Group from Seattle</a:t>
+              <a:t>Source: Traffic Records Group from Seattle</a:t>
             </a:r>
             <a:r>
               <a:rPr lang="en-US" b="1" dirty="0" smtClean="0"/>
@@ -14305,11 +15204,7 @@
             </a:r>
             <a:r>
               <a:rPr lang="en-US" b="1" dirty="0"/>
-              <a:t>, highly similar or highly correlated features were </a:t>
-            </a:r>
-            <a:r>
-              <a:rPr lang="en-US" b="1" dirty="0"/>
-              <a:t>dropped</a:t>
+              <a:t>, highly similar or highly correlated features were dropped</a:t>
             </a:r>
             <a:r>
               <a:rPr lang="en-US" dirty="0" smtClean="0"/>
@@ -14551,11 +15446,7 @@
             </a:r>
             <a:r>
               <a:rPr lang="en-US" b="1" dirty="0"/>
-              <a:t>chi </a:t>
-            </a:r>
-            <a:r>
-              <a:rPr lang="en-US" b="1" dirty="0"/>
-              <a:t>square p&lt;5%).</a:t>
+              <a:t>chi square p&lt;5%).</a:t>
             </a:r>
             <a:endParaRPr lang="en-US" dirty="0"/>
           </a:p>
@@ -14698,11 +15589,7 @@
             </a:r>
             <a:r>
               <a:rPr lang="en-US" b="1" dirty="0"/>
-              <a:t>chi </a:t>
-            </a:r>
-            <a:r>
-              <a:rPr lang="en-US" b="1" dirty="0"/>
-              <a:t>square p&lt;5%).</a:t>
+              <a:t>chi square p&lt;5%).</a:t>
             </a:r>
             <a:endParaRPr lang="en-US" dirty="0"/>
           </a:p>
@@ -14823,11 +15710,7 @@
             </a:r>
             <a:r>
               <a:rPr lang="en-US" b="1" dirty="0"/>
-              <a:t>chi </a:t>
-            </a:r>
-            <a:r>
-              <a:rPr lang="en-US" b="1" dirty="0"/>
-              <a:t>square p&lt;5%).</a:t>
+              <a:t>chi square p&lt;5%).</a:t>
             </a:r>
             <a:endParaRPr lang="en-US" dirty="0"/>
           </a:p>
@@ -14970,11 +15853,7 @@
             </a:r>
             <a:r>
               <a:rPr lang="en-US" b="1" dirty="0"/>
-              <a:t>chi </a:t>
-            </a:r>
-            <a:r>
-              <a:rPr lang="en-US" b="1" dirty="0"/>
-              <a:t>square p&lt;5%).</a:t>
+              <a:t>chi square p&lt;5%).</a:t>
             </a:r>
             <a:endParaRPr lang="en-US" dirty="0"/>
           </a:p>
@@ -15095,11 +15974,7 @@
             </a:r>
             <a:r>
               <a:rPr lang="en-US" b="1" dirty="0"/>
-              <a:t>chi </a:t>
-            </a:r>
-            <a:r>
-              <a:rPr lang="en-US" b="1" dirty="0"/>
-              <a:t>square p&lt;5%).</a:t>
+              <a:t>chi square p&lt;5%).</a:t>
             </a:r>
             <a:endParaRPr lang="en-US" dirty="0"/>
           </a:p>
